--- a/contents/2020_ITinerary/assets/session_2/preclass.pptx
+++ b/contents/2020_ITinerary/assets/session_2/preclass.pptx
@@ -4068,8 +4068,12 @@
               <a:t> </a:t>
             </a:r>
             <a:r>
+              <a:rPr lang="en-US" altLang="ko-KR" sz="3200" b="1"/>
+              <a:t>2] </a:t>
+            </a:r>
+            <a:r>
               <a:rPr lang="en-US" altLang="ko-KR" sz="3200" b="1" dirty="0"/>
-              <a:t>3] Network</a:t>
+              <a:t>Network</a:t>
             </a:r>
             <a:r>
               <a:rPr lang="ko-KR" altLang="en-US" sz="3200" b="1" dirty="0"/>

--- a/contents/2020_ITinerary/assets/session_2/preclass.pptx
+++ b/contents/2020_ITinerary/assets/session_2/preclass.pptx
@@ -246,7 +246,7 @@
           <a:p>
             <a:fld id="{2F8130A2-CFDC-4F64-A56B-9BC7826900FC}" type="datetimeFigureOut">
               <a:rPr lang="ko-KR" altLang="en-US" smtClean="0"/>
-              <a:t>2020-11-20</a:t>
+              <a:t>2020-11-26</a:t>
             </a:fld>
             <a:endParaRPr lang="ko-KR" altLang="en-US"/>
           </a:p>
@@ -558,6 +558,718 @@
           <a:bodyPr/>
           <a:lstStyle/>
           <a:p>
+            <a:r>
+              <a:rPr lang="ko-KR" altLang="en-US" dirty="0" err="1"/>
+              <a:t>안뇽</a:t>
+            </a:r>
+            <a:endParaRPr lang="ko-KR" altLang="en-US" dirty="0"/>
+          </a:p>
+        </p:txBody>
+      </p:sp>
+      <p:sp>
+        <p:nvSpPr>
+          <p:cNvPr id="4" name="Slide Number Placeholder 3"/>
+          <p:cNvSpPr>
+            <a:spLocks noGrp="1"/>
+          </p:cNvSpPr>
+          <p:nvPr>
+            <p:ph type="sldNum" sz="quarter" idx="5"/>
+          </p:nvPr>
+        </p:nvSpPr>
+        <p:spPr/>
+        <p:txBody>
+          <a:bodyPr/>
+          <a:lstStyle/>
+          <a:p>
+            <a:fld id="{A248A177-227F-4E2F-A815-394152F0E3B8}" type="slidenum">
+              <a:rPr lang="ko-KR" altLang="en-US" smtClean="0"/>
+              <a:t>1</a:t>
+            </a:fld>
+            <a:endParaRPr lang="ko-KR" altLang="en-US"/>
+          </a:p>
+        </p:txBody>
+      </p:sp>
+    </p:spTree>
+    <p:extLst>
+      <p:ext uri="{BB962C8B-B14F-4D97-AF65-F5344CB8AC3E}">
+        <p14:creationId xmlns:p14="http://schemas.microsoft.com/office/powerpoint/2010/main" val="402948654"/>
+      </p:ext>
+    </p:extLst>
+  </p:cSld>
+  <p:clrMapOvr>
+    <a:masterClrMapping/>
+  </p:clrMapOvr>
+</p:notes>
+</file>
+
+<file path=ppt/notesSlides/notesSlide10.xml><?xml version="1.0" encoding="utf-8"?>
+<p:notes xmlns:a="http://schemas.openxmlformats.org/drawingml/2006/main" xmlns:r="http://schemas.openxmlformats.org/officeDocument/2006/relationships" xmlns:p="http://schemas.openxmlformats.org/presentationml/2006/main">
+  <p:cSld>
+    <p:spTree>
+      <p:nvGrpSpPr>
+        <p:cNvPr id="1" name=""/>
+        <p:cNvGrpSpPr/>
+        <p:nvPr/>
+      </p:nvGrpSpPr>
+      <p:grpSpPr>
+        <a:xfrm>
+          <a:off x="0" y="0"/>
+          <a:ext cx="0" cy="0"/>
+          <a:chOff x="0" y="0"/>
+          <a:chExt cx="0" cy="0"/>
+        </a:xfrm>
+      </p:grpSpPr>
+      <p:sp>
+        <p:nvSpPr>
+          <p:cNvPr id="2" name="Slide Image Placeholder 1"/>
+          <p:cNvSpPr>
+            <a:spLocks noGrp="1" noRot="1" noChangeAspect="1"/>
+          </p:cNvSpPr>
+          <p:nvPr>
+            <p:ph type="sldImg"/>
+          </p:nvPr>
+        </p:nvSpPr>
+        <p:spPr/>
+      </p:sp>
+      <p:sp>
+        <p:nvSpPr>
+          <p:cNvPr id="3" name="Notes Placeholder 2"/>
+          <p:cNvSpPr>
+            <a:spLocks noGrp="1"/>
+          </p:cNvSpPr>
+          <p:nvPr>
+            <p:ph type="body" idx="1"/>
+          </p:nvPr>
+        </p:nvSpPr>
+        <p:spPr/>
+        <p:txBody>
+          <a:bodyPr/>
+          <a:lstStyle/>
+          <a:p>
+            <a:endParaRPr lang="ko-KR" altLang="en-US" dirty="0"/>
+          </a:p>
+        </p:txBody>
+      </p:sp>
+      <p:sp>
+        <p:nvSpPr>
+          <p:cNvPr id="4" name="Slide Number Placeholder 3"/>
+          <p:cNvSpPr>
+            <a:spLocks noGrp="1"/>
+          </p:cNvSpPr>
+          <p:nvPr>
+            <p:ph type="sldNum" sz="quarter" idx="5"/>
+          </p:nvPr>
+        </p:nvSpPr>
+        <p:spPr/>
+        <p:txBody>
+          <a:bodyPr/>
+          <a:lstStyle/>
+          <a:p>
+            <a:fld id="{A248A177-227F-4E2F-A815-394152F0E3B8}" type="slidenum">
+              <a:rPr lang="ko-KR" altLang="en-US" smtClean="0"/>
+              <a:t>11</a:t>
+            </a:fld>
+            <a:endParaRPr lang="ko-KR" altLang="en-US"/>
+          </a:p>
+        </p:txBody>
+      </p:sp>
+    </p:spTree>
+    <p:extLst>
+      <p:ext uri="{BB962C8B-B14F-4D97-AF65-F5344CB8AC3E}">
+        <p14:creationId xmlns:p14="http://schemas.microsoft.com/office/powerpoint/2010/main" val="2575557773"/>
+      </p:ext>
+    </p:extLst>
+  </p:cSld>
+  <p:clrMapOvr>
+    <a:masterClrMapping/>
+  </p:clrMapOvr>
+</p:notes>
+</file>
+
+<file path=ppt/notesSlides/notesSlide11.xml><?xml version="1.0" encoding="utf-8"?>
+<p:notes xmlns:a="http://schemas.openxmlformats.org/drawingml/2006/main" xmlns:r="http://schemas.openxmlformats.org/officeDocument/2006/relationships" xmlns:p="http://schemas.openxmlformats.org/presentationml/2006/main">
+  <p:cSld>
+    <p:spTree>
+      <p:nvGrpSpPr>
+        <p:cNvPr id="1" name=""/>
+        <p:cNvGrpSpPr/>
+        <p:nvPr/>
+      </p:nvGrpSpPr>
+      <p:grpSpPr>
+        <a:xfrm>
+          <a:off x="0" y="0"/>
+          <a:ext cx="0" cy="0"/>
+          <a:chOff x="0" y="0"/>
+          <a:chExt cx="0" cy="0"/>
+        </a:xfrm>
+      </p:grpSpPr>
+      <p:sp>
+        <p:nvSpPr>
+          <p:cNvPr id="2" name="Slide Image Placeholder 1"/>
+          <p:cNvSpPr>
+            <a:spLocks noGrp="1" noRot="1" noChangeAspect="1"/>
+          </p:cNvSpPr>
+          <p:nvPr>
+            <p:ph type="sldImg"/>
+          </p:nvPr>
+        </p:nvSpPr>
+        <p:spPr/>
+      </p:sp>
+      <p:sp>
+        <p:nvSpPr>
+          <p:cNvPr id="3" name="Notes Placeholder 2"/>
+          <p:cNvSpPr>
+            <a:spLocks noGrp="1"/>
+          </p:cNvSpPr>
+          <p:nvPr>
+            <p:ph type="body" idx="1"/>
+          </p:nvPr>
+        </p:nvSpPr>
+        <p:spPr/>
+        <p:txBody>
+          <a:bodyPr/>
+          <a:lstStyle/>
+          <a:p>
+            <a:r>
+              <a:rPr lang="ko-KR" altLang="en-US" dirty="0"/>
+              <a:t>프로토콜은 통신에 대한 거의 모든 걸 정의함</a:t>
+            </a:r>
+          </a:p>
+        </p:txBody>
+      </p:sp>
+      <p:sp>
+        <p:nvSpPr>
+          <p:cNvPr id="4" name="Slide Number Placeholder 3"/>
+          <p:cNvSpPr>
+            <a:spLocks noGrp="1"/>
+          </p:cNvSpPr>
+          <p:nvPr>
+            <p:ph type="sldNum" sz="quarter" idx="5"/>
+          </p:nvPr>
+        </p:nvSpPr>
+        <p:spPr/>
+        <p:txBody>
+          <a:bodyPr/>
+          <a:lstStyle/>
+          <a:p>
+            <a:fld id="{A248A177-227F-4E2F-A815-394152F0E3B8}" type="slidenum">
+              <a:rPr lang="ko-KR" altLang="en-US" smtClean="0"/>
+              <a:t>12</a:t>
+            </a:fld>
+            <a:endParaRPr lang="ko-KR" altLang="en-US"/>
+          </a:p>
+        </p:txBody>
+      </p:sp>
+    </p:spTree>
+    <p:extLst>
+      <p:ext uri="{BB962C8B-B14F-4D97-AF65-F5344CB8AC3E}">
+        <p14:creationId xmlns:p14="http://schemas.microsoft.com/office/powerpoint/2010/main" val="3728471770"/>
+      </p:ext>
+    </p:extLst>
+  </p:cSld>
+  <p:clrMapOvr>
+    <a:masterClrMapping/>
+  </p:clrMapOvr>
+</p:notes>
+</file>
+
+<file path=ppt/notesSlides/notesSlide12.xml><?xml version="1.0" encoding="utf-8"?>
+<p:notes xmlns:a="http://schemas.openxmlformats.org/drawingml/2006/main" xmlns:r="http://schemas.openxmlformats.org/officeDocument/2006/relationships" xmlns:p="http://schemas.openxmlformats.org/presentationml/2006/main">
+  <p:cSld>
+    <p:spTree>
+      <p:nvGrpSpPr>
+        <p:cNvPr id="1" name=""/>
+        <p:cNvGrpSpPr/>
+        <p:nvPr/>
+      </p:nvGrpSpPr>
+      <p:grpSpPr>
+        <a:xfrm>
+          <a:off x="0" y="0"/>
+          <a:ext cx="0" cy="0"/>
+          <a:chOff x="0" y="0"/>
+          <a:chExt cx="0" cy="0"/>
+        </a:xfrm>
+      </p:grpSpPr>
+      <p:sp>
+        <p:nvSpPr>
+          <p:cNvPr id="2" name="Slide Image Placeholder 1"/>
+          <p:cNvSpPr>
+            <a:spLocks noGrp="1" noRot="1" noChangeAspect="1"/>
+          </p:cNvSpPr>
+          <p:nvPr>
+            <p:ph type="sldImg"/>
+          </p:nvPr>
+        </p:nvSpPr>
+        <p:spPr/>
+      </p:sp>
+      <p:sp>
+        <p:nvSpPr>
+          <p:cNvPr id="3" name="Notes Placeholder 2"/>
+          <p:cNvSpPr>
+            <a:spLocks noGrp="1"/>
+          </p:cNvSpPr>
+          <p:nvPr>
+            <p:ph type="body" idx="1"/>
+          </p:nvPr>
+        </p:nvSpPr>
+        <p:spPr/>
+        <p:txBody>
+          <a:bodyPr/>
+          <a:lstStyle/>
+          <a:p>
+            <a:r>
+              <a:rPr lang="ko-KR" altLang="en-US" dirty="0"/>
+              <a:t>대표적인 두 프로토콜이 있음</a:t>
+            </a:r>
+          </a:p>
+        </p:txBody>
+      </p:sp>
+      <p:sp>
+        <p:nvSpPr>
+          <p:cNvPr id="4" name="Slide Number Placeholder 3"/>
+          <p:cNvSpPr>
+            <a:spLocks noGrp="1"/>
+          </p:cNvSpPr>
+          <p:nvPr>
+            <p:ph type="sldNum" sz="quarter" idx="5"/>
+          </p:nvPr>
+        </p:nvSpPr>
+        <p:spPr/>
+        <p:txBody>
+          <a:bodyPr/>
+          <a:lstStyle/>
+          <a:p>
+            <a:fld id="{A248A177-227F-4E2F-A815-394152F0E3B8}" type="slidenum">
+              <a:rPr lang="ko-KR" altLang="en-US" smtClean="0"/>
+              <a:t>13</a:t>
+            </a:fld>
+            <a:endParaRPr lang="ko-KR" altLang="en-US"/>
+          </a:p>
+        </p:txBody>
+      </p:sp>
+    </p:spTree>
+    <p:extLst>
+      <p:ext uri="{BB962C8B-B14F-4D97-AF65-F5344CB8AC3E}">
+        <p14:creationId xmlns:p14="http://schemas.microsoft.com/office/powerpoint/2010/main" val="2497911940"/>
+      </p:ext>
+    </p:extLst>
+  </p:cSld>
+  <p:clrMapOvr>
+    <a:masterClrMapping/>
+  </p:clrMapOvr>
+</p:notes>
+</file>
+
+<file path=ppt/notesSlides/notesSlide13.xml><?xml version="1.0" encoding="utf-8"?>
+<p:notes xmlns:a="http://schemas.openxmlformats.org/drawingml/2006/main" xmlns:r="http://schemas.openxmlformats.org/officeDocument/2006/relationships" xmlns:p="http://schemas.openxmlformats.org/presentationml/2006/main">
+  <p:cSld>
+    <p:spTree>
+      <p:nvGrpSpPr>
+        <p:cNvPr id="1" name=""/>
+        <p:cNvGrpSpPr/>
+        <p:nvPr/>
+      </p:nvGrpSpPr>
+      <p:grpSpPr>
+        <a:xfrm>
+          <a:off x="0" y="0"/>
+          <a:ext cx="0" cy="0"/>
+          <a:chOff x="0" y="0"/>
+          <a:chExt cx="0" cy="0"/>
+        </a:xfrm>
+      </p:grpSpPr>
+      <p:sp>
+        <p:nvSpPr>
+          <p:cNvPr id="2" name="Slide Image Placeholder 1"/>
+          <p:cNvSpPr>
+            <a:spLocks noGrp="1" noRot="1" noChangeAspect="1"/>
+          </p:cNvSpPr>
+          <p:nvPr>
+            <p:ph type="sldImg"/>
+          </p:nvPr>
+        </p:nvSpPr>
+        <p:spPr/>
+      </p:sp>
+      <p:sp>
+        <p:nvSpPr>
+          <p:cNvPr id="3" name="Notes Placeholder 2"/>
+          <p:cNvSpPr>
+            <a:spLocks noGrp="1"/>
+          </p:cNvSpPr>
+          <p:nvPr>
+            <p:ph type="body" idx="1"/>
+          </p:nvPr>
+        </p:nvSpPr>
+        <p:spPr/>
+        <p:txBody>
+          <a:bodyPr/>
+          <a:lstStyle/>
+          <a:p>
+            <a:endParaRPr lang="ko-KR" altLang="en-US" dirty="0"/>
+          </a:p>
+        </p:txBody>
+      </p:sp>
+      <p:sp>
+        <p:nvSpPr>
+          <p:cNvPr id="4" name="Slide Number Placeholder 3"/>
+          <p:cNvSpPr>
+            <a:spLocks noGrp="1"/>
+          </p:cNvSpPr>
+          <p:nvPr>
+            <p:ph type="sldNum" sz="quarter" idx="5"/>
+          </p:nvPr>
+        </p:nvSpPr>
+        <p:spPr/>
+        <p:txBody>
+          <a:bodyPr/>
+          <a:lstStyle/>
+          <a:p>
+            <a:fld id="{A248A177-227F-4E2F-A815-394152F0E3B8}" type="slidenum">
+              <a:rPr lang="ko-KR" altLang="en-US" smtClean="0"/>
+              <a:t>14</a:t>
+            </a:fld>
+            <a:endParaRPr lang="ko-KR" altLang="en-US"/>
+          </a:p>
+        </p:txBody>
+      </p:sp>
+    </p:spTree>
+    <p:extLst>
+      <p:ext uri="{BB962C8B-B14F-4D97-AF65-F5344CB8AC3E}">
+        <p14:creationId xmlns:p14="http://schemas.microsoft.com/office/powerpoint/2010/main" val="2261104775"/>
+      </p:ext>
+    </p:extLst>
+  </p:cSld>
+  <p:clrMapOvr>
+    <a:masterClrMapping/>
+  </p:clrMapOvr>
+</p:notes>
+</file>
+
+<file path=ppt/notesSlides/notesSlide14.xml><?xml version="1.0" encoding="utf-8"?>
+<p:notes xmlns:a="http://schemas.openxmlformats.org/drawingml/2006/main" xmlns:r="http://schemas.openxmlformats.org/officeDocument/2006/relationships" xmlns:p="http://schemas.openxmlformats.org/presentationml/2006/main">
+  <p:cSld>
+    <p:spTree>
+      <p:nvGrpSpPr>
+        <p:cNvPr id="1" name=""/>
+        <p:cNvGrpSpPr/>
+        <p:nvPr/>
+      </p:nvGrpSpPr>
+      <p:grpSpPr>
+        <a:xfrm>
+          <a:off x="0" y="0"/>
+          <a:ext cx="0" cy="0"/>
+          <a:chOff x="0" y="0"/>
+          <a:chExt cx="0" cy="0"/>
+        </a:xfrm>
+      </p:grpSpPr>
+      <p:sp>
+        <p:nvSpPr>
+          <p:cNvPr id="2" name="Slide Image Placeholder 1"/>
+          <p:cNvSpPr>
+            <a:spLocks noGrp="1" noRot="1" noChangeAspect="1"/>
+          </p:cNvSpPr>
+          <p:nvPr>
+            <p:ph type="sldImg"/>
+          </p:nvPr>
+        </p:nvSpPr>
+        <p:spPr/>
+      </p:sp>
+      <p:sp>
+        <p:nvSpPr>
+          <p:cNvPr id="3" name="Notes Placeholder 2"/>
+          <p:cNvSpPr>
+            <a:spLocks noGrp="1"/>
+          </p:cNvSpPr>
+          <p:nvPr>
+            <p:ph type="body" idx="1"/>
+          </p:nvPr>
+        </p:nvSpPr>
+        <p:spPr/>
+        <p:txBody>
+          <a:bodyPr/>
+          <a:lstStyle/>
+          <a:p>
+            <a:r>
+              <a:rPr lang="ko-KR" altLang="en-US" dirty="0"/>
+              <a:t>아무튼</a:t>
+            </a:r>
+            <a:r>
+              <a:rPr lang="en-US" altLang="ko-KR" dirty="0"/>
+              <a:t>, </a:t>
+            </a:r>
+            <a:r>
+              <a:rPr lang="ko-KR" altLang="en-US" dirty="0"/>
+              <a:t>프로토콜은 통신에서 </a:t>
+            </a:r>
+            <a:r>
+              <a:rPr lang="ko-KR" altLang="en-US" dirty="0" err="1"/>
+              <a:t>필수적이란거</a:t>
+            </a:r>
+            <a:r>
+              <a:rPr lang="en-US" altLang="ko-KR" dirty="0"/>
+              <a:t>~</a:t>
+            </a:r>
+            <a:endParaRPr lang="ko-KR" altLang="en-US" dirty="0"/>
+          </a:p>
+        </p:txBody>
+      </p:sp>
+      <p:sp>
+        <p:nvSpPr>
+          <p:cNvPr id="4" name="Slide Number Placeholder 3"/>
+          <p:cNvSpPr>
+            <a:spLocks noGrp="1"/>
+          </p:cNvSpPr>
+          <p:nvPr>
+            <p:ph type="sldNum" sz="quarter" idx="5"/>
+          </p:nvPr>
+        </p:nvSpPr>
+        <p:spPr/>
+        <p:txBody>
+          <a:bodyPr/>
+          <a:lstStyle/>
+          <a:p>
+            <a:fld id="{A248A177-227F-4E2F-A815-394152F0E3B8}" type="slidenum">
+              <a:rPr lang="ko-KR" altLang="en-US" smtClean="0"/>
+              <a:t>18</a:t>
+            </a:fld>
+            <a:endParaRPr lang="ko-KR" altLang="en-US"/>
+          </a:p>
+        </p:txBody>
+      </p:sp>
+    </p:spTree>
+    <p:extLst>
+      <p:ext uri="{BB962C8B-B14F-4D97-AF65-F5344CB8AC3E}">
+        <p14:creationId xmlns:p14="http://schemas.microsoft.com/office/powerpoint/2010/main" val="3634009688"/>
+      </p:ext>
+    </p:extLst>
+  </p:cSld>
+  <p:clrMapOvr>
+    <a:masterClrMapping/>
+  </p:clrMapOvr>
+</p:notes>
+</file>
+
+<file path=ppt/notesSlides/notesSlide15.xml><?xml version="1.0" encoding="utf-8"?>
+<p:notes xmlns:a="http://schemas.openxmlformats.org/drawingml/2006/main" xmlns:r="http://schemas.openxmlformats.org/officeDocument/2006/relationships" xmlns:p="http://schemas.openxmlformats.org/presentationml/2006/main">
+  <p:cSld>
+    <p:spTree>
+      <p:nvGrpSpPr>
+        <p:cNvPr id="1" name=""/>
+        <p:cNvGrpSpPr/>
+        <p:nvPr/>
+      </p:nvGrpSpPr>
+      <p:grpSpPr>
+        <a:xfrm>
+          <a:off x="0" y="0"/>
+          <a:ext cx="0" cy="0"/>
+          <a:chOff x="0" y="0"/>
+          <a:chExt cx="0" cy="0"/>
+        </a:xfrm>
+      </p:grpSpPr>
+      <p:sp>
+        <p:nvSpPr>
+          <p:cNvPr id="2" name="Slide Image Placeholder 1"/>
+          <p:cNvSpPr>
+            <a:spLocks noGrp="1" noRot="1" noChangeAspect="1"/>
+          </p:cNvSpPr>
+          <p:nvPr>
+            <p:ph type="sldImg"/>
+          </p:nvPr>
+        </p:nvSpPr>
+        <p:spPr/>
+      </p:sp>
+      <p:sp>
+        <p:nvSpPr>
+          <p:cNvPr id="3" name="Notes Placeholder 2"/>
+          <p:cNvSpPr>
+            <a:spLocks noGrp="1"/>
+          </p:cNvSpPr>
+          <p:nvPr>
+            <p:ph type="body" idx="1"/>
+          </p:nvPr>
+        </p:nvSpPr>
+        <p:spPr/>
+        <p:txBody>
+          <a:bodyPr/>
+          <a:lstStyle/>
+          <a:p>
+            <a:r>
+              <a:rPr lang="en-US" altLang="ko-KR" dirty="0"/>
+              <a:t>IP</a:t>
+            </a:r>
+            <a:r>
+              <a:rPr lang="ko-KR" altLang="en-US" dirty="0"/>
+              <a:t>는 상대방을 찾을 주소임</a:t>
+            </a:r>
+          </a:p>
+        </p:txBody>
+      </p:sp>
+      <p:sp>
+        <p:nvSpPr>
+          <p:cNvPr id="4" name="Slide Number Placeholder 3"/>
+          <p:cNvSpPr>
+            <a:spLocks noGrp="1"/>
+          </p:cNvSpPr>
+          <p:nvPr>
+            <p:ph type="sldNum" sz="quarter" idx="5"/>
+          </p:nvPr>
+        </p:nvSpPr>
+        <p:spPr/>
+        <p:txBody>
+          <a:bodyPr/>
+          <a:lstStyle/>
+          <a:p>
+            <a:fld id="{A248A177-227F-4E2F-A815-394152F0E3B8}" type="slidenum">
+              <a:rPr lang="ko-KR" altLang="en-US" smtClean="0"/>
+              <a:t>19</a:t>
+            </a:fld>
+            <a:endParaRPr lang="ko-KR" altLang="en-US"/>
+          </a:p>
+        </p:txBody>
+      </p:sp>
+    </p:spTree>
+    <p:extLst>
+      <p:ext uri="{BB962C8B-B14F-4D97-AF65-F5344CB8AC3E}">
+        <p14:creationId xmlns:p14="http://schemas.microsoft.com/office/powerpoint/2010/main" val="584143774"/>
+      </p:ext>
+    </p:extLst>
+  </p:cSld>
+  <p:clrMapOvr>
+    <a:masterClrMapping/>
+  </p:clrMapOvr>
+</p:notes>
+</file>
+
+<file path=ppt/notesSlides/notesSlide16.xml><?xml version="1.0" encoding="utf-8"?>
+<p:notes xmlns:a="http://schemas.openxmlformats.org/drawingml/2006/main" xmlns:r="http://schemas.openxmlformats.org/officeDocument/2006/relationships" xmlns:p="http://schemas.openxmlformats.org/presentationml/2006/main">
+  <p:cSld>
+    <p:spTree>
+      <p:nvGrpSpPr>
+        <p:cNvPr id="1" name=""/>
+        <p:cNvGrpSpPr/>
+        <p:nvPr/>
+      </p:nvGrpSpPr>
+      <p:grpSpPr>
+        <a:xfrm>
+          <a:off x="0" y="0"/>
+          <a:ext cx="0" cy="0"/>
+          <a:chOff x="0" y="0"/>
+          <a:chExt cx="0" cy="0"/>
+        </a:xfrm>
+      </p:grpSpPr>
+      <p:sp>
+        <p:nvSpPr>
+          <p:cNvPr id="2" name="Slide Image Placeholder 1"/>
+          <p:cNvSpPr>
+            <a:spLocks noGrp="1" noRot="1" noChangeAspect="1"/>
+          </p:cNvSpPr>
+          <p:nvPr>
+            <p:ph type="sldImg"/>
+          </p:nvPr>
+        </p:nvSpPr>
+        <p:spPr/>
+      </p:sp>
+      <p:sp>
+        <p:nvSpPr>
+          <p:cNvPr id="3" name="Notes Placeholder 2"/>
+          <p:cNvSpPr>
+            <a:spLocks noGrp="1"/>
+          </p:cNvSpPr>
+          <p:nvPr>
+            <p:ph type="body" idx="1"/>
+          </p:nvPr>
+        </p:nvSpPr>
+        <p:spPr/>
+        <p:txBody>
+          <a:bodyPr/>
+          <a:lstStyle/>
+          <a:p>
+            <a:r>
+              <a:rPr lang="ko-KR" altLang="en-US" dirty="0"/>
+              <a:t>포트 적당히 설명하고</a:t>
+            </a:r>
+          </a:p>
+        </p:txBody>
+      </p:sp>
+      <p:sp>
+        <p:nvSpPr>
+          <p:cNvPr id="4" name="Slide Number Placeholder 3"/>
+          <p:cNvSpPr>
+            <a:spLocks noGrp="1"/>
+          </p:cNvSpPr>
+          <p:nvPr>
+            <p:ph type="sldNum" sz="quarter" idx="5"/>
+          </p:nvPr>
+        </p:nvSpPr>
+        <p:spPr/>
+        <p:txBody>
+          <a:bodyPr/>
+          <a:lstStyle/>
+          <a:p>
+            <a:fld id="{A248A177-227F-4E2F-A815-394152F0E3B8}" type="slidenum">
+              <a:rPr lang="ko-KR" altLang="en-US" smtClean="0"/>
+              <a:t>20</a:t>
+            </a:fld>
+            <a:endParaRPr lang="ko-KR" altLang="en-US"/>
+          </a:p>
+        </p:txBody>
+      </p:sp>
+    </p:spTree>
+    <p:extLst>
+      <p:ext uri="{BB962C8B-B14F-4D97-AF65-F5344CB8AC3E}">
+        <p14:creationId xmlns:p14="http://schemas.microsoft.com/office/powerpoint/2010/main" val="3804948546"/>
+      </p:ext>
+    </p:extLst>
+  </p:cSld>
+  <p:clrMapOvr>
+    <a:masterClrMapping/>
+  </p:clrMapOvr>
+</p:notes>
+</file>
+
+<file path=ppt/notesSlides/notesSlide17.xml><?xml version="1.0" encoding="utf-8"?>
+<p:notes xmlns:a="http://schemas.openxmlformats.org/drawingml/2006/main" xmlns:r="http://schemas.openxmlformats.org/officeDocument/2006/relationships" xmlns:p="http://schemas.openxmlformats.org/presentationml/2006/main">
+  <p:cSld>
+    <p:spTree>
+      <p:nvGrpSpPr>
+        <p:cNvPr id="1" name=""/>
+        <p:cNvGrpSpPr/>
+        <p:nvPr/>
+      </p:nvGrpSpPr>
+      <p:grpSpPr>
+        <a:xfrm>
+          <a:off x="0" y="0"/>
+          <a:ext cx="0" cy="0"/>
+          <a:chOff x="0" y="0"/>
+          <a:chExt cx="0" cy="0"/>
+        </a:xfrm>
+      </p:grpSpPr>
+      <p:sp>
+        <p:nvSpPr>
+          <p:cNvPr id="2" name="Slide Image Placeholder 1"/>
+          <p:cNvSpPr>
+            <a:spLocks noGrp="1" noRot="1" noChangeAspect="1"/>
+          </p:cNvSpPr>
+          <p:nvPr>
+            <p:ph type="sldImg"/>
+          </p:nvPr>
+        </p:nvSpPr>
+        <p:spPr/>
+      </p:sp>
+      <p:sp>
+        <p:nvSpPr>
+          <p:cNvPr id="3" name="Notes Placeholder 2"/>
+          <p:cNvSpPr>
+            <a:spLocks noGrp="1"/>
+          </p:cNvSpPr>
+          <p:nvPr>
+            <p:ph type="body" idx="1"/>
+          </p:nvPr>
+        </p:nvSpPr>
+        <p:spPr/>
+        <p:txBody>
+          <a:bodyPr/>
+          <a:lstStyle/>
+          <a:p>
             <a:endParaRPr lang="ko-KR" altLang="en-US" dirty="0"/>
           </a:p>
         </p:txBody>
@@ -589,6 +1301,174 @@
     <p:extLst>
       <p:ext uri="{BB962C8B-B14F-4D97-AF65-F5344CB8AC3E}">
         <p14:creationId xmlns:p14="http://schemas.microsoft.com/office/powerpoint/2010/main" val="25351533"/>
+      </p:ext>
+    </p:extLst>
+  </p:cSld>
+  <p:clrMapOvr>
+    <a:masterClrMapping/>
+  </p:clrMapOvr>
+</p:notes>
+</file>
+
+<file path=ppt/notesSlides/notesSlide18.xml><?xml version="1.0" encoding="utf-8"?>
+<p:notes xmlns:a="http://schemas.openxmlformats.org/drawingml/2006/main" xmlns:r="http://schemas.openxmlformats.org/officeDocument/2006/relationships" xmlns:p="http://schemas.openxmlformats.org/presentationml/2006/main">
+  <p:cSld>
+    <p:spTree>
+      <p:nvGrpSpPr>
+        <p:cNvPr id="1" name=""/>
+        <p:cNvGrpSpPr/>
+        <p:nvPr/>
+      </p:nvGrpSpPr>
+      <p:grpSpPr>
+        <a:xfrm>
+          <a:off x="0" y="0"/>
+          <a:ext cx="0" cy="0"/>
+          <a:chOff x="0" y="0"/>
+          <a:chExt cx="0" cy="0"/>
+        </a:xfrm>
+      </p:grpSpPr>
+      <p:sp>
+        <p:nvSpPr>
+          <p:cNvPr id="2" name="Slide Image Placeholder 1"/>
+          <p:cNvSpPr>
+            <a:spLocks noGrp="1" noRot="1" noChangeAspect="1"/>
+          </p:cNvSpPr>
+          <p:nvPr>
+            <p:ph type="sldImg"/>
+          </p:nvPr>
+        </p:nvSpPr>
+        <p:spPr/>
+      </p:sp>
+      <p:sp>
+        <p:nvSpPr>
+          <p:cNvPr id="3" name="Notes Placeholder 2"/>
+          <p:cNvSpPr>
+            <a:spLocks noGrp="1"/>
+          </p:cNvSpPr>
+          <p:nvPr>
+            <p:ph type="body" idx="1"/>
+          </p:nvPr>
+        </p:nvSpPr>
+        <p:spPr/>
+        <p:txBody>
+          <a:bodyPr/>
+          <a:lstStyle/>
+          <a:p>
+            <a:endParaRPr lang="ko-KR" altLang="en-US" dirty="0"/>
+          </a:p>
+        </p:txBody>
+      </p:sp>
+      <p:sp>
+        <p:nvSpPr>
+          <p:cNvPr id="4" name="Slide Number Placeholder 3"/>
+          <p:cNvSpPr>
+            <a:spLocks noGrp="1"/>
+          </p:cNvSpPr>
+          <p:nvPr>
+            <p:ph type="sldNum" sz="quarter" idx="5"/>
+          </p:nvPr>
+        </p:nvSpPr>
+        <p:spPr/>
+        <p:txBody>
+          <a:bodyPr/>
+          <a:lstStyle/>
+          <a:p>
+            <a:fld id="{A248A177-227F-4E2F-A815-394152F0E3B8}" type="slidenum">
+              <a:rPr lang="ko-KR" altLang="en-US" smtClean="0"/>
+              <a:t>22</a:t>
+            </a:fld>
+            <a:endParaRPr lang="ko-KR" altLang="en-US"/>
+          </a:p>
+        </p:txBody>
+      </p:sp>
+    </p:spTree>
+    <p:extLst>
+      <p:ext uri="{BB962C8B-B14F-4D97-AF65-F5344CB8AC3E}">
+        <p14:creationId xmlns:p14="http://schemas.microsoft.com/office/powerpoint/2010/main" val="4182417599"/>
+      </p:ext>
+    </p:extLst>
+  </p:cSld>
+  <p:clrMapOvr>
+    <a:masterClrMapping/>
+  </p:clrMapOvr>
+</p:notes>
+</file>
+
+<file path=ppt/notesSlides/notesSlide19.xml><?xml version="1.0" encoding="utf-8"?>
+<p:notes xmlns:a="http://schemas.openxmlformats.org/drawingml/2006/main" xmlns:r="http://schemas.openxmlformats.org/officeDocument/2006/relationships" xmlns:p="http://schemas.openxmlformats.org/presentationml/2006/main">
+  <p:cSld>
+    <p:spTree>
+      <p:nvGrpSpPr>
+        <p:cNvPr id="1" name=""/>
+        <p:cNvGrpSpPr/>
+        <p:nvPr/>
+      </p:nvGrpSpPr>
+      <p:grpSpPr>
+        <a:xfrm>
+          <a:off x="0" y="0"/>
+          <a:ext cx="0" cy="0"/>
+          <a:chOff x="0" y="0"/>
+          <a:chExt cx="0" cy="0"/>
+        </a:xfrm>
+      </p:grpSpPr>
+      <p:sp>
+        <p:nvSpPr>
+          <p:cNvPr id="2" name="Slide Image Placeholder 1"/>
+          <p:cNvSpPr>
+            <a:spLocks noGrp="1" noRot="1" noChangeAspect="1"/>
+          </p:cNvSpPr>
+          <p:nvPr>
+            <p:ph type="sldImg"/>
+          </p:nvPr>
+        </p:nvSpPr>
+        <p:spPr/>
+      </p:sp>
+      <p:sp>
+        <p:nvSpPr>
+          <p:cNvPr id="3" name="Notes Placeholder 2"/>
+          <p:cNvSpPr>
+            <a:spLocks noGrp="1"/>
+          </p:cNvSpPr>
+          <p:nvPr>
+            <p:ph type="body" idx="1"/>
+          </p:nvPr>
+        </p:nvSpPr>
+        <p:spPr/>
+        <p:txBody>
+          <a:bodyPr/>
+          <a:lstStyle/>
+          <a:p>
+            <a:endParaRPr lang="ko-KR" altLang="en-US" dirty="0"/>
+          </a:p>
+        </p:txBody>
+      </p:sp>
+      <p:sp>
+        <p:nvSpPr>
+          <p:cNvPr id="4" name="Slide Number Placeholder 3"/>
+          <p:cNvSpPr>
+            <a:spLocks noGrp="1"/>
+          </p:cNvSpPr>
+          <p:nvPr>
+            <p:ph type="sldNum" sz="quarter" idx="5"/>
+          </p:nvPr>
+        </p:nvSpPr>
+        <p:spPr/>
+        <p:txBody>
+          <a:bodyPr/>
+          <a:lstStyle/>
+          <a:p>
+            <a:fld id="{A248A177-227F-4E2F-A815-394152F0E3B8}" type="slidenum">
+              <a:rPr lang="ko-KR" altLang="en-US" smtClean="0"/>
+              <a:t>23</a:t>
+            </a:fld>
+            <a:endParaRPr lang="ko-KR" altLang="en-US"/>
+          </a:p>
+        </p:txBody>
+      </p:sp>
+    </p:spTree>
+    <p:extLst>
+      <p:ext uri="{BB962C8B-B14F-4D97-AF65-F5344CB8AC3E}">
+        <p14:creationId xmlns:p14="http://schemas.microsoft.com/office/powerpoint/2010/main" val="827332414"/>
       </p:ext>
     </p:extLst>
   </p:cSld>
@@ -642,6 +1522,22 @@
           <a:bodyPr/>
           <a:lstStyle/>
           <a:p>
+            <a:r>
+              <a:rPr lang="ko-KR" altLang="en-US" dirty="0"/>
+              <a:t>이번엔 </a:t>
+            </a:r>
+            <a:r>
+              <a:rPr lang="ko-KR" altLang="en-US" dirty="0" err="1"/>
+              <a:t>이런거</a:t>
+            </a:r>
+            <a:r>
+              <a:rPr lang="ko-KR" altLang="en-US" dirty="0"/>
+              <a:t> </a:t>
+            </a:r>
+            <a:r>
+              <a:rPr lang="ko-KR" altLang="en-US" dirty="0" err="1"/>
+              <a:t>다룰거임</a:t>
+            </a:r>
             <a:endParaRPr lang="ko-KR" altLang="en-US" dirty="0"/>
           </a:p>
         </p:txBody>
@@ -663,7 +1559,7 @@
           <a:p>
             <a:fld id="{A248A177-227F-4E2F-A815-394152F0E3B8}" type="slidenum">
               <a:rPr lang="ko-KR" altLang="en-US" smtClean="0"/>
-              <a:t>22</a:t>
+              <a:t>2</a:t>
             </a:fld>
             <a:endParaRPr lang="ko-KR" altLang="en-US"/>
           </a:p>
@@ -672,7 +1568,813 @@
     </p:spTree>
     <p:extLst>
       <p:ext uri="{BB962C8B-B14F-4D97-AF65-F5344CB8AC3E}">
-        <p14:creationId xmlns:p14="http://schemas.microsoft.com/office/powerpoint/2010/main" val="4182417599"/>
+        <p14:creationId xmlns:p14="http://schemas.microsoft.com/office/powerpoint/2010/main" val="850910565"/>
+      </p:ext>
+    </p:extLst>
+  </p:cSld>
+  <p:clrMapOvr>
+    <a:masterClrMapping/>
+  </p:clrMapOvr>
+</p:notes>
+</file>
+
+<file path=ppt/notesSlides/notesSlide20.xml><?xml version="1.0" encoding="utf-8"?>
+<p:notes xmlns:a="http://schemas.openxmlformats.org/drawingml/2006/main" xmlns:r="http://schemas.openxmlformats.org/officeDocument/2006/relationships" xmlns:p="http://schemas.openxmlformats.org/presentationml/2006/main">
+  <p:cSld>
+    <p:spTree>
+      <p:nvGrpSpPr>
+        <p:cNvPr id="1" name=""/>
+        <p:cNvGrpSpPr/>
+        <p:nvPr/>
+      </p:nvGrpSpPr>
+      <p:grpSpPr>
+        <a:xfrm>
+          <a:off x="0" y="0"/>
+          <a:ext cx="0" cy="0"/>
+          <a:chOff x="0" y="0"/>
+          <a:chExt cx="0" cy="0"/>
+        </a:xfrm>
+      </p:grpSpPr>
+      <p:sp>
+        <p:nvSpPr>
+          <p:cNvPr id="2" name="Slide Image Placeholder 1"/>
+          <p:cNvSpPr>
+            <a:spLocks noGrp="1" noRot="1" noChangeAspect="1"/>
+          </p:cNvSpPr>
+          <p:nvPr>
+            <p:ph type="sldImg"/>
+          </p:nvPr>
+        </p:nvSpPr>
+        <p:spPr/>
+      </p:sp>
+      <p:sp>
+        <p:nvSpPr>
+          <p:cNvPr id="3" name="Notes Placeholder 2"/>
+          <p:cNvSpPr>
+            <a:spLocks noGrp="1"/>
+          </p:cNvSpPr>
+          <p:nvPr>
+            <p:ph type="body" idx="1"/>
+          </p:nvPr>
+        </p:nvSpPr>
+        <p:spPr/>
+        <p:txBody>
+          <a:bodyPr/>
+          <a:lstStyle/>
+          <a:p>
+            <a:endParaRPr lang="ko-KR" altLang="en-US" dirty="0"/>
+          </a:p>
+        </p:txBody>
+      </p:sp>
+      <p:sp>
+        <p:nvSpPr>
+          <p:cNvPr id="4" name="Slide Number Placeholder 3"/>
+          <p:cNvSpPr>
+            <a:spLocks noGrp="1"/>
+          </p:cNvSpPr>
+          <p:nvPr>
+            <p:ph type="sldNum" sz="quarter" idx="5"/>
+          </p:nvPr>
+        </p:nvSpPr>
+        <p:spPr/>
+        <p:txBody>
+          <a:bodyPr/>
+          <a:lstStyle/>
+          <a:p>
+            <a:fld id="{A248A177-227F-4E2F-A815-394152F0E3B8}" type="slidenum">
+              <a:rPr lang="ko-KR" altLang="en-US" smtClean="0"/>
+              <a:t>24</a:t>
+            </a:fld>
+            <a:endParaRPr lang="ko-KR" altLang="en-US"/>
+          </a:p>
+        </p:txBody>
+      </p:sp>
+    </p:spTree>
+    <p:extLst>
+      <p:ext uri="{BB962C8B-B14F-4D97-AF65-F5344CB8AC3E}">
+        <p14:creationId xmlns:p14="http://schemas.microsoft.com/office/powerpoint/2010/main" val="3707227775"/>
+      </p:ext>
+    </p:extLst>
+  </p:cSld>
+  <p:clrMapOvr>
+    <a:masterClrMapping/>
+  </p:clrMapOvr>
+</p:notes>
+</file>
+
+<file path=ppt/notesSlides/notesSlide21.xml><?xml version="1.0" encoding="utf-8"?>
+<p:notes xmlns:a="http://schemas.openxmlformats.org/drawingml/2006/main" xmlns:r="http://schemas.openxmlformats.org/officeDocument/2006/relationships" xmlns:p="http://schemas.openxmlformats.org/presentationml/2006/main">
+  <p:cSld>
+    <p:spTree>
+      <p:nvGrpSpPr>
+        <p:cNvPr id="1" name=""/>
+        <p:cNvGrpSpPr/>
+        <p:nvPr/>
+      </p:nvGrpSpPr>
+      <p:grpSpPr>
+        <a:xfrm>
+          <a:off x="0" y="0"/>
+          <a:ext cx="0" cy="0"/>
+          <a:chOff x="0" y="0"/>
+          <a:chExt cx="0" cy="0"/>
+        </a:xfrm>
+      </p:grpSpPr>
+      <p:sp>
+        <p:nvSpPr>
+          <p:cNvPr id="2" name="Slide Image Placeholder 1"/>
+          <p:cNvSpPr>
+            <a:spLocks noGrp="1" noRot="1" noChangeAspect="1"/>
+          </p:cNvSpPr>
+          <p:nvPr>
+            <p:ph type="sldImg"/>
+          </p:nvPr>
+        </p:nvSpPr>
+        <p:spPr/>
+      </p:sp>
+      <p:sp>
+        <p:nvSpPr>
+          <p:cNvPr id="3" name="Notes Placeholder 2"/>
+          <p:cNvSpPr>
+            <a:spLocks noGrp="1"/>
+          </p:cNvSpPr>
+          <p:nvPr>
+            <p:ph type="body" idx="1"/>
+          </p:nvPr>
+        </p:nvSpPr>
+        <p:spPr/>
+        <p:txBody>
+          <a:bodyPr/>
+          <a:lstStyle/>
+          <a:p>
+            <a:r>
+              <a:rPr lang="ko-KR" altLang="en-US" dirty="0"/>
+              <a:t>클라이언트 서버 모델 </a:t>
+            </a:r>
+            <a:r>
+              <a:rPr lang="ko-KR" altLang="en-US" dirty="0" err="1"/>
+              <a:t>ㄱㄱ</a:t>
+            </a:r>
+            <a:endParaRPr lang="ko-KR" altLang="en-US" dirty="0"/>
+          </a:p>
+        </p:txBody>
+      </p:sp>
+      <p:sp>
+        <p:nvSpPr>
+          <p:cNvPr id="4" name="Slide Number Placeholder 3"/>
+          <p:cNvSpPr>
+            <a:spLocks noGrp="1"/>
+          </p:cNvSpPr>
+          <p:nvPr>
+            <p:ph type="sldNum" sz="quarter" idx="5"/>
+          </p:nvPr>
+        </p:nvSpPr>
+        <p:spPr/>
+        <p:txBody>
+          <a:bodyPr/>
+          <a:lstStyle/>
+          <a:p>
+            <a:fld id="{A248A177-227F-4E2F-A815-394152F0E3B8}" type="slidenum">
+              <a:rPr lang="ko-KR" altLang="en-US" smtClean="0"/>
+              <a:t>25</a:t>
+            </a:fld>
+            <a:endParaRPr lang="ko-KR" altLang="en-US"/>
+          </a:p>
+        </p:txBody>
+      </p:sp>
+    </p:spTree>
+    <p:extLst>
+      <p:ext uri="{BB962C8B-B14F-4D97-AF65-F5344CB8AC3E}">
+        <p14:creationId xmlns:p14="http://schemas.microsoft.com/office/powerpoint/2010/main" val="3375095384"/>
+      </p:ext>
+    </p:extLst>
+  </p:cSld>
+  <p:clrMapOvr>
+    <a:masterClrMapping/>
+  </p:clrMapOvr>
+</p:notes>
+</file>
+
+<file path=ppt/notesSlides/notesSlide22.xml><?xml version="1.0" encoding="utf-8"?>
+<p:notes xmlns:a="http://schemas.openxmlformats.org/drawingml/2006/main" xmlns:r="http://schemas.openxmlformats.org/officeDocument/2006/relationships" xmlns:p="http://schemas.openxmlformats.org/presentationml/2006/main">
+  <p:cSld>
+    <p:spTree>
+      <p:nvGrpSpPr>
+        <p:cNvPr id="1" name=""/>
+        <p:cNvGrpSpPr/>
+        <p:nvPr/>
+      </p:nvGrpSpPr>
+      <p:grpSpPr>
+        <a:xfrm>
+          <a:off x="0" y="0"/>
+          <a:ext cx="0" cy="0"/>
+          <a:chOff x="0" y="0"/>
+          <a:chExt cx="0" cy="0"/>
+        </a:xfrm>
+      </p:grpSpPr>
+      <p:sp>
+        <p:nvSpPr>
+          <p:cNvPr id="2" name="Slide Image Placeholder 1"/>
+          <p:cNvSpPr>
+            <a:spLocks noGrp="1" noRot="1" noChangeAspect="1"/>
+          </p:cNvSpPr>
+          <p:nvPr>
+            <p:ph type="sldImg"/>
+          </p:nvPr>
+        </p:nvSpPr>
+        <p:spPr/>
+      </p:sp>
+      <p:sp>
+        <p:nvSpPr>
+          <p:cNvPr id="3" name="Notes Placeholder 2"/>
+          <p:cNvSpPr>
+            <a:spLocks noGrp="1"/>
+          </p:cNvSpPr>
+          <p:nvPr>
+            <p:ph type="body" idx="1"/>
+          </p:nvPr>
+        </p:nvSpPr>
+        <p:spPr/>
+        <p:txBody>
+          <a:bodyPr/>
+          <a:lstStyle/>
+          <a:p>
+            <a:endParaRPr lang="ko-KR" altLang="en-US" dirty="0"/>
+          </a:p>
+        </p:txBody>
+      </p:sp>
+      <p:sp>
+        <p:nvSpPr>
+          <p:cNvPr id="4" name="Slide Number Placeholder 3"/>
+          <p:cNvSpPr>
+            <a:spLocks noGrp="1"/>
+          </p:cNvSpPr>
+          <p:nvPr>
+            <p:ph type="sldNum" sz="quarter" idx="5"/>
+          </p:nvPr>
+        </p:nvSpPr>
+        <p:spPr/>
+        <p:txBody>
+          <a:bodyPr/>
+          <a:lstStyle/>
+          <a:p>
+            <a:fld id="{A248A177-227F-4E2F-A815-394152F0E3B8}" type="slidenum">
+              <a:rPr lang="ko-KR" altLang="en-US" smtClean="0"/>
+              <a:t>26</a:t>
+            </a:fld>
+            <a:endParaRPr lang="ko-KR" altLang="en-US"/>
+          </a:p>
+        </p:txBody>
+      </p:sp>
+    </p:spTree>
+    <p:extLst>
+      <p:ext uri="{BB962C8B-B14F-4D97-AF65-F5344CB8AC3E}">
+        <p14:creationId xmlns:p14="http://schemas.microsoft.com/office/powerpoint/2010/main" val="2044860287"/>
+      </p:ext>
+    </p:extLst>
+  </p:cSld>
+  <p:clrMapOvr>
+    <a:masterClrMapping/>
+  </p:clrMapOvr>
+</p:notes>
+</file>
+
+<file path=ppt/notesSlides/notesSlide23.xml><?xml version="1.0" encoding="utf-8"?>
+<p:notes xmlns:a="http://schemas.openxmlformats.org/drawingml/2006/main" xmlns:r="http://schemas.openxmlformats.org/officeDocument/2006/relationships" xmlns:p="http://schemas.openxmlformats.org/presentationml/2006/main">
+  <p:cSld>
+    <p:spTree>
+      <p:nvGrpSpPr>
+        <p:cNvPr id="1" name=""/>
+        <p:cNvGrpSpPr/>
+        <p:nvPr/>
+      </p:nvGrpSpPr>
+      <p:grpSpPr>
+        <a:xfrm>
+          <a:off x="0" y="0"/>
+          <a:ext cx="0" cy="0"/>
+          <a:chOff x="0" y="0"/>
+          <a:chExt cx="0" cy="0"/>
+        </a:xfrm>
+      </p:grpSpPr>
+      <p:sp>
+        <p:nvSpPr>
+          <p:cNvPr id="2" name="Slide Image Placeholder 1"/>
+          <p:cNvSpPr>
+            <a:spLocks noGrp="1" noRot="1" noChangeAspect="1"/>
+          </p:cNvSpPr>
+          <p:nvPr>
+            <p:ph type="sldImg"/>
+          </p:nvPr>
+        </p:nvSpPr>
+        <p:spPr/>
+      </p:sp>
+      <p:sp>
+        <p:nvSpPr>
+          <p:cNvPr id="3" name="Notes Placeholder 2"/>
+          <p:cNvSpPr>
+            <a:spLocks noGrp="1"/>
+          </p:cNvSpPr>
+          <p:nvPr>
+            <p:ph type="body" idx="1"/>
+          </p:nvPr>
+        </p:nvSpPr>
+        <p:spPr/>
+        <p:txBody>
+          <a:bodyPr/>
+          <a:lstStyle/>
+          <a:p>
+            <a:r>
+              <a:rPr lang="ko-KR" altLang="en-US" dirty="0"/>
+              <a:t>예시 보면 설명하기 </a:t>
+            </a:r>
+            <a:r>
+              <a:rPr lang="ko-KR" altLang="en-US" dirty="0" err="1"/>
+              <a:t>쉬울것</a:t>
+            </a:r>
+            <a:r>
+              <a:rPr lang="en-US" altLang="ko-KR" dirty="0"/>
+              <a:t>…</a:t>
+            </a:r>
+            <a:endParaRPr lang="ko-KR" altLang="en-US" dirty="0"/>
+          </a:p>
+        </p:txBody>
+      </p:sp>
+      <p:sp>
+        <p:nvSpPr>
+          <p:cNvPr id="4" name="Slide Number Placeholder 3"/>
+          <p:cNvSpPr>
+            <a:spLocks noGrp="1"/>
+          </p:cNvSpPr>
+          <p:nvPr>
+            <p:ph type="sldNum" sz="quarter" idx="5"/>
+          </p:nvPr>
+        </p:nvSpPr>
+        <p:spPr/>
+        <p:txBody>
+          <a:bodyPr/>
+          <a:lstStyle/>
+          <a:p>
+            <a:fld id="{A248A177-227F-4E2F-A815-394152F0E3B8}" type="slidenum">
+              <a:rPr lang="ko-KR" altLang="en-US" smtClean="0"/>
+              <a:t>27</a:t>
+            </a:fld>
+            <a:endParaRPr lang="ko-KR" altLang="en-US"/>
+          </a:p>
+        </p:txBody>
+      </p:sp>
+    </p:spTree>
+    <p:extLst>
+      <p:ext uri="{BB962C8B-B14F-4D97-AF65-F5344CB8AC3E}">
+        <p14:creationId xmlns:p14="http://schemas.microsoft.com/office/powerpoint/2010/main" val="431060139"/>
+      </p:ext>
+    </p:extLst>
+  </p:cSld>
+  <p:clrMapOvr>
+    <a:masterClrMapping/>
+  </p:clrMapOvr>
+</p:notes>
+</file>
+
+<file path=ppt/notesSlides/notesSlide24.xml><?xml version="1.0" encoding="utf-8"?>
+<p:notes xmlns:a="http://schemas.openxmlformats.org/drawingml/2006/main" xmlns:r="http://schemas.openxmlformats.org/officeDocument/2006/relationships" xmlns:p="http://schemas.openxmlformats.org/presentationml/2006/main">
+  <p:cSld>
+    <p:spTree>
+      <p:nvGrpSpPr>
+        <p:cNvPr id="1" name=""/>
+        <p:cNvGrpSpPr/>
+        <p:nvPr/>
+      </p:nvGrpSpPr>
+      <p:grpSpPr>
+        <a:xfrm>
+          <a:off x="0" y="0"/>
+          <a:ext cx="0" cy="0"/>
+          <a:chOff x="0" y="0"/>
+          <a:chExt cx="0" cy="0"/>
+        </a:xfrm>
+      </p:grpSpPr>
+      <p:sp>
+        <p:nvSpPr>
+          <p:cNvPr id="2" name="Slide Image Placeholder 1"/>
+          <p:cNvSpPr>
+            <a:spLocks noGrp="1" noRot="1" noChangeAspect="1"/>
+          </p:cNvSpPr>
+          <p:nvPr>
+            <p:ph type="sldImg"/>
+          </p:nvPr>
+        </p:nvSpPr>
+        <p:spPr/>
+      </p:sp>
+      <p:sp>
+        <p:nvSpPr>
+          <p:cNvPr id="3" name="Notes Placeholder 2"/>
+          <p:cNvSpPr>
+            <a:spLocks noGrp="1"/>
+          </p:cNvSpPr>
+          <p:nvPr>
+            <p:ph type="body" idx="1"/>
+          </p:nvPr>
+        </p:nvSpPr>
+        <p:spPr/>
+        <p:txBody>
+          <a:bodyPr/>
+          <a:lstStyle/>
+          <a:p>
+            <a:r>
+              <a:rPr lang="ko-KR" altLang="en-US" dirty="0"/>
+              <a:t>이제 이걸 직접 </a:t>
+            </a:r>
+            <a:r>
+              <a:rPr lang="ko-KR" altLang="en-US" dirty="0" err="1"/>
+              <a:t>구현해야함</a:t>
+            </a:r>
+            <a:endParaRPr lang="ko-KR" altLang="en-US" dirty="0"/>
+          </a:p>
+        </p:txBody>
+      </p:sp>
+      <p:sp>
+        <p:nvSpPr>
+          <p:cNvPr id="4" name="Slide Number Placeholder 3"/>
+          <p:cNvSpPr>
+            <a:spLocks noGrp="1"/>
+          </p:cNvSpPr>
+          <p:nvPr>
+            <p:ph type="sldNum" sz="quarter" idx="5"/>
+          </p:nvPr>
+        </p:nvSpPr>
+        <p:spPr/>
+        <p:txBody>
+          <a:bodyPr/>
+          <a:lstStyle/>
+          <a:p>
+            <a:fld id="{A248A177-227F-4E2F-A815-394152F0E3B8}" type="slidenum">
+              <a:rPr lang="ko-KR" altLang="en-US" smtClean="0"/>
+              <a:t>37</a:t>
+            </a:fld>
+            <a:endParaRPr lang="ko-KR" altLang="en-US"/>
+          </a:p>
+        </p:txBody>
+      </p:sp>
+    </p:spTree>
+    <p:extLst>
+      <p:ext uri="{BB962C8B-B14F-4D97-AF65-F5344CB8AC3E}">
+        <p14:creationId xmlns:p14="http://schemas.microsoft.com/office/powerpoint/2010/main" val="1359034157"/>
+      </p:ext>
+    </p:extLst>
+  </p:cSld>
+  <p:clrMapOvr>
+    <a:masterClrMapping/>
+  </p:clrMapOvr>
+</p:notes>
+</file>
+
+<file path=ppt/notesSlides/notesSlide25.xml><?xml version="1.0" encoding="utf-8"?>
+<p:notes xmlns:a="http://schemas.openxmlformats.org/drawingml/2006/main" xmlns:r="http://schemas.openxmlformats.org/officeDocument/2006/relationships" xmlns:p="http://schemas.openxmlformats.org/presentationml/2006/main">
+  <p:cSld>
+    <p:spTree>
+      <p:nvGrpSpPr>
+        <p:cNvPr id="1" name=""/>
+        <p:cNvGrpSpPr/>
+        <p:nvPr/>
+      </p:nvGrpSpPr>
+      <p:grpSpPr>
+        <a:xfrm>
+          <a:off x="0" y="0"/>
+          <a:ext cx="0" cy="0"/>
+          <a:chOff x="0" y="0"/>
+          <a:chExt cx="0" cy="0"/>
+        </a:xfrm>
+      </p:grpSpPr>
+      <p:sp>
+        <p:nvSpPr>
+          <p:cNvPr id="2" name="Slide Image Placeholder 1"/>
+          <p:cNvSpPr>
+            <a:spLocks noGrp="1" noRot="1" noChangeAspect="1"/>
+          </p:cNvSpPr>
+          <p:nvPr>
+            <p:ph type="sldImg"/>
+          </p:nvPr>
+        </p:nvSpPr>
+        <p:spPr/>
+      </p:sp>
+      <p:sp>
+        <p:nvSpPr>
+          <p:cNvPr id="3" name="Notes Placeholder 2"/>
+          <p:cNvSpPr>
+            <a:spLocks noGrp="1"/>
+          </p:cNvSpPr>
+          <p:nvPr>
+            <p:ph type="body" idx="1"/>
+          </p:nvPr>
+        </p:nvSpPr>
+        <p:spPr/>
+        <p:txBody>
+          <a:bodyPr/>
+          <a:lstStyle/>
+          <a:p>
+            <a:r>
+              <a:rPr lang="ko-KR" altLang="en-US" dirty="0"/>
+              <a:t>바로 소켓프로그래밍으로</a:t>
+            </a:r>
+            <a:r>
+              <a:rPr lang="en-US" altLang="ko-KR" dirty="0"/>
+              <a:t>!</a:t>
+            </a:r>
+            <a:endParaRPr lang="ko-KR" altLang="en-US" dirty="0"/>
+          </a:p>
+        </p:txBody>
+      </p:sp>
+      <p:sp>
+        <p:nvSpPr>
+          <p:cNvPr id="4" name="Slide Number Placeholder 3"/>
+          <p:cNvSpPr>
+            <a:spLocks noGrp="1"/>
+          </p:cNvSpPr>
+          <p:nvPr>
+            <p:ph type="sldNum" sz="quarter" idx="5"/>
+          </p:nvPr>
+        </p:nvSpPr>
+        <p:spPr/>
+        <p:txBody>
+          <a:bodyPr/>
+          <a:lstStyle/>
+          <a:p>
+            <a:fld id="{A248A177-227F-4E2F-A815-394152F0E3B8}" type="slidenum">
+              <a:rPr lang="ko-KR" altLang="en-US" smtClean="0"/>
+              <a:t>38</a:t>
+            </a:fld>
+            <a:endParaRPr lang="ko-KR" altLang="en-US"/>
+          </a:p>
+        </p:txBody>
+      </p:sp>
+    </p:spTree>
+    <p:extLst>
+      <p:ext uri="{BB962C8B-B14F-4D97-AF65-F5344CB8AC3E}">
+        <p14:creationId xmlns:p14="http://schemas.microsoft.com/office/powerpoint/2010/main" val="1574275831"/>
+      </p:ext>
+    </p:extLst>
+  </p:cSld>
+  <p:clrMapOvr>
+    <a:masterClrMapping/>
+  </p:clrMapOvr>
+</p:notes>
+</file>
+
+<file path=ppt/notesSlides/notesSlide26.xml><?xml version="1.0" encoding="utf-8"?>
+<p:notes xmlns:a="http://schemas.openxmlformats.org/drawingml/2006/main" xmlns:r="http://schemas.openxmlformats.org/officeDocument/2006/relationships" xmlns:p="http://schemas.openxmlformats.org/presentationml/2006/main">
+  <p:cSld>
+    <p:spTree>
+      <p:nvGrpSpPr>
+        <p:cNvPr id="1" name=""/>
+        <p:cNvGrpSpPr/>
+        <p:nvPr/>
+      </p:nvGrpSpPr>
+      <p:grpSpPr>
+        <a:xfrm>
+          <a:off x="0" y="0"/>
+          <a:ext cx="0" cy="0"/>
+          <a:chOff x="0" y="0"/>
+          <a:chExt cx="0" cy="0"/>
+        </a:xfrm>
+      </p:grpSpPr>
+      <p:sp>
+        <p:nvSpPr>
+          <p:cNvPr id="2" name="Slide Image Placeholder 1"/>
+          <p:cNvSpPr>
+            <a:spLocks noGrp="1" noRot="1" noChangeAspect="1"/>
+          </p:cNvSpPr>
+          <p:nvPr>
+            <p:ph type="sldImg"/>
+          </p:nvPr>
+        </p:nvSpPr>
+        <p:spPr/>
+      </p:sp>
+      <p:sp>
+        <p:nvSpPr>
+          <p:cNvPr id="3" name="Notes Placeholder 2"/>
+          <p:cNvSpPr>
+            <a:spLocks noGrp="1"/>
+          </p:cNvSpPr>
+          <p:nvPr>
+            <p:ph type="body" idx="1"/>
+          </p:nvPr>
+        </p:nvSpPr>
+        <p:spPr/>
+        <p:txBody>
+          <a:bodyPr/>
+          <a:lstStyle/>
+          <a:p>
+            <a:r>
+              <a:rPr lang="ko-KR" altLang="en-US" dirty="0"/>
+              <a:t>소켓 설명</a:t>
+            </a:r>
+          </a:p>
+        </p:txBody>
+      </p:sp>
+      <p:sp>
+        <p:nvSpPr>
+          <p:cNvPr id="4" name="Slide Number Placeholder 3"/>
+          <p:cNvSpPr>
+            <a:spLocks noGrp="1"/>
+          </p:cNvSpPr>
+          <p:nvPr>
+            <p:ph type="sldNum" sz="quarter" idx="5"/>
+          </p:nvPr>
+        </p:nvSpPr>
+        <p:spPr/>
+        <p:txBody>
+          <a:bodyPr/>
+          <a:lstStyle/>
+          <a:p>
+            <a:fld id="{A248A177-227F-4E2F-A815-394152F0E3B8}" type="slidenum">
+              <a:rPr lang="ko-KR" altLang="en-US" smtClean="0"/>
+              <a:t>39</a:t>
+            </a:fld>
+            <a:endParaRPr lang="ko-KR" altLang="en-US"/>
+          </a:p>
+        </p:txBody>
+      </p:sp>
+    </p:spTree>
+    <p:extLst>
+      <p:ext uri="{BB962C8B-B14F-4D97-AF65-F5344CB8AC3E}">
+        <p14:creationId xmlns:p14="http://schemas.microsoft.com/office/powerpoint/2010/main" val="359018694"/>
+      </p:ext>
+    </p:extLst>
+  </p:cSld>
+  <p:clrMapOvr>
+    <a:masterClrMapping/>
+  </p:clrMapOvr>
+</p:notes>
+</file>
+
+<file path=ppt/notesSlides/notesSlide27.xml><?xml version="1.0" encoding="utf-8"?>
+<p:notes xmlns:a="http://schemas.openxmlformats.org/drawingml/2006/main" xmlns:r="http://schemas.openxmlformats.org/officeDocument/2006/relationships" xmlns:p="http://schemas.openxmlformats.org/presentationml/2006/main">
+  <p:cSld>
+    <p:spTree>
+      <p:nvGrpSpPr>
+        <p:cNvPr id="1" name=""/>
+        <p:cNvGrpSpPr/>
+        <p:nvPr/>
+      </p:nvGrpSpPr>
+      <p:grpSpPr>
+        <a:xfrm>
+          <a:off x="0" y="0"/>
+          <a:ext cx="0" cy="0"/>
+          <a:chOff x="0" y="0"/>
+          <a:chExt cx="0" cy="0"/>
+        </a:xfrm>
+      </p:grpSpPr>
+      <p:sp>
+        <p:nvSpPr>
+          <p:cNvPr id="2" name="Slide Image Placeholder 1"/>
+          <p:cNvSpPr>
+            <a:spLocks noGrp="1" noRot="1" noChangeAspect="1"/>
+          </p:cNvSpPr>
+          <p:nvPr>
+            <p:ph type="sldImg"/>
+          </p:nvPr>
+        </p:nvSpPr>
+        <p:spPr/>
+      </p:sp>
+      <p:sp>
+        <p:nvSpPr>
+          <p:cNvPr id="3" name="Notes Placeholder 2"/>
+          <p:cNvSpPr>
+            <a:spLocks noGrp="1"/>
+          </p:cNvSpPr>
+          <p:nvPr>
+            <p:ph type="body" idx="1"/>
+          </p:nvPr>
+        </p:nvSpPr>
+        <p:spPr/>
+        <p:txBody>
+          <a:bodyPr/>
+          <a:lstStyle/>
+          <a:p>
+            <a:r>
+              <a:rPr lang="ko-KR" altLang="en-US" dirty="0"/>
+              <a:t>구글치면 </a:t>
+            </a:r>
+            <a:r>
+              <a:rPr lang="ko-KR" altLang="en-US" dirty="0" err="1"/>
+              <a:t>비슷한거</a:t>
+            </a:r>
+            <a:r>
+              <a:rPr lang="ko-KR" altLang="en-US" dirty="0"/>
+              <a:t> 많이 나옴</a:t>
+            </a:r>
+          </a:p>
+        </p:txBody>
+      </p:sp>
+      <p:sp>
+        <p:nvSpPr>
+          <p:cNvPr id="4" name="Slide Number Placeholder 3"/>
+          <p:cNvSpPr>
+            <a:spLocks noGrp="1"/>
+          </p:cNvSpPr>
+          <p:nvPr>
+            <p:ph type="sldNum" sz="quarter" idx="5"/>
+          </p:nvPr>
+        </p:nvSpPr>
+        <p:spPr/>
+        <p:txBody>
+          <a:bodyPr/>
+          <a:lstStyle/>
+          <a:p>
+            <a:fld id="{A248A177-227F-4E2F-A815-394152F0E3B8}" type="slidenum">
+              <a:rPr lang="ko-KR" altLang="en-US" smtClean="0"/>
+              <a:t>41</a:t>
+            </a:fld>
+            <a:endParaRPr lang="ko-KR" altLang="en-US"/>
+          </a:p>
+        </p:txBody>
+      </p:sp>
+    </p:spTree>
+    <p:extLst>
+      <p:ext uri="{BB962C8B-B14F-4D97-AF65-F5344CB8AC3E}">
+        <p14:creationId xmlns:p14="http://schemas.microsoft.com/office/powerpoint/2010/main" val="2353856779"/>
+      </p:ext>
+    </p:extLst>
+  </p:cSld>
+  <p:clrMapOvr>
+    <a:masterClrMapping/>
+  </p:clrMapOvr>
+</p:notes>
+</file>
+
+<file path=ppt/notesSlides/notesSlide28.xml><?xml version="1.0" encoding="utf-8"?>
+<p:notes xmlns:a="http://schemas.openxmlformats.org/drawingml/2006/main" xmlns:r="http://schemas.openxmlformats.org/officeDocument/2006/relationships" xmlns:p="http://schemas.openxmlformats.org/presentationml/2006/main">
+  <p:cSld>
+    <p:spTree>
+      <p:nvGrpSpPr>
+        <p:cNvPr id="1" name=""/>
+        <p:cNvGrpSpPr/>
+        <p:nvPr/>
+      </p:nvGrpSpPr>
+      <p:grpSpPr>
+        <a:xfrm>
+          <a:off x="0" y="0"/>
+          <a:ext cx="0" cy="0"/>
+          <a:chOff x="0" y="0"/>
+          <a:chExt cx="0" cy="0"/>
+        </a:xfrm>
+      </p:grpSpPr>
+      <p:sp>
+        <p:nvSpPr>
+          <p:cNvPr id="2" name="Slide Image Placeholder 1"/>
+          <p:cNvSpPr>
+            <a:spLocks noGrp="1" noRot="1" noChangeAspect="1"/>
+          </p:cNvSpPr>
+          <p:nvPr>
+            <p:ph type="sldImg"/>
+          </p:nvPr>
+        </p:nvSpPr>
+        <p:spPr/>
+      </p:sp>
+      <p:sp>
+        <p:nvSpPr>
+          <p:cNvPr id="3" name="Notes Placeholder 2"/>
+          <p:cNvSpPr>
+            <a:spLocks noGrp="1"/>
+          </p:cNvSpPr>
+          <p:nvPr>
+            <p:ph type="body" idx="1"/>
+          </p:nvPr>
+        </p:nvSpPr>
+        <p:spPr/>
+        <p:txBody>
+          <a:bodyPr/>
+          <a:lstStyle/>
+          <a:p>
+            <a:endParaRPr lang="ko-KR" altLang="en-US" dirty="0"/>
+          </a:p>
+        </p:txBody>
+      </p:sp>
+      <p:sp>
+        <p:nvSpPr>
+          <p:cNvPr id="4" name="Slide Number Placeholder 3"/>
+          <p:cNvSpPr>
+            <a:spLocks noGrp="1"/>
+          </p:cNvSpPr>
+          <p:nvPr>
+            <p:ph type="sldNum" sz="quarter" idx="5"/>
+          </p:nvPr>
+        </p:nvSpPr>
+        <p:spPr/>
+        <p:txBody>
+          <a:bodyPr/>
+          <a:lstStyle/>
+          <a:p>
+            <a:fld id="{A248A177-227F-4E2F-A815-394152F0E3B8}" type="slidenum">
+              <a:rPr lang="ko-KR" altLang="en-US" smtClean="0"/>
+              <a:t>48</a:t>
+            </a:fld>
+            <a:endParaRPr lang="ko-KR" altLang="en-US"/>
+          </a:p>
+        </p:txBody>
+      </p:sp>
+    </p:spTree>
+    <p:extLst>
+      <p:ext uri="{BB962C8B-B14F-4D97-AF65-F5344CB8AC3E}">
+        <p14:creationId xmlns:p14="http://schemas.microsoft.com/office/powerpoint/2010/main" val="1954868249"/>
       </p:ext>
     </p:extLst>
   </p:cSld>
@@ -726,6 +2428,14 @@
           <a:bodyPr/>
           <a:lstStyle/>
           <a:p>
+            <a:r>
+              <a:rPr lang="ko-KR" altLang="en-US" dirty="0"/>
+              <a:t>고고</a:t>
+            </a:r>
+            <a:r>
+              <a:rPr lang="en-US" altLang="ko-KR" dirty="0"/>
+              <a:t>	</a:t>
+            </a:r>
             <a:endParaRPr lang="ko-KR" altLang="en-US" dirty="0"/>
           </a:p>
         </p:txBody>
@@ -747,7 +2457,7 @@
           <a:p>
             <a:fld id="{A248A177-227F-4E2F-A815-394152F0E3B8}" type="slidenum">
               <a:rPr lang="ko-KR" altLang="en-US" smtClean="0"/>
-              <a:t>23</a:t>
+              <a:t>3</a:t>
             </a:fld>
             <a:endParaRPr lang="ko-KR" altLang="en-US"/>
           </a:p>
@@ -756,7 +2466,777 @@
     </p:spTree>
     <p:extLst>
       <p:ext uri="{BB962C8B-B14F-4D97-AF65-F5344CB8AC3E}">
-        <p14:creationId xmlns:p14="http://schemas.microsoft.com/office/powerpoint/2010/main" val="827332414"/>
+        <p14:creationId xmlns:p14="http://schemas.microsoft.com/office/powerpoint/2010/main" val="3836580522"/>
+      </p:ext>
+    </p:extLst>
+  </p:cSld>
+  <p:clrMapOvr>
+    <a:masterClrMapping/>
+  </p:clrMapOvr>
+</p:notes>
+</file>
+
+<file path=ppt/notesSlides/notesSlide4.xml><?xml version="1.0" encoding="utf-8"?>
+<p:notes xmlns:a="http://schemas.openxmlformats.org/drawingml/2006/main" xmlns:r="http://schemas.openxmlformats.org/officeDocument/2006/relationships" xmlns:p="http://schemas.openxmlformats.org/presentationml/2006/main">
+  <p:cSld>
+    <p:spTree>
+      <p:nvGrpSpPr>
+        <p:cNvPr id="1" name=""/>
+        <p:cNvGrpSpPr/>
+        <p:nvPr/>
+      </p:nvGrpSpPr>
+      <p:grpSpPr>
+        <a:xfrm>
+          <a:off x="0" y="0"/>
+          <a:ext cx="0" cy="0"/>
+          <a:chOff x="0" y="0"/>
+          <a:chExt cx="0" cy="0"/>
+        </a:xfrm>
+      </p:grpSpPr>
+      <p:sp>
+        <p:nvSpPr>
+          <p:cNvPr id="2" name="Slide Image Placeholder 1"/>
+          <p:cNvSpPr>
+            <a:spLocks noGrp="1" noRot="1" noChangeAspect="1"/>
+          </p:cNvSpPr>
+          <p:nvPr>
+            <p:ph type="sldImg"/>
+          </p:nvPr>
+        </p:nvSpPr>
+        <p:spPr/>
+      </p:sp>
+      <p:sp>
+        <p:nvSpPr>
+          <p:cNvPr id="3" name="Notes Placeholder 2"/>
+          <p:cNvSpPr>
+            <a:spLocks noGrp="1"/>
+          </p:cNvSpPr>
+          <p:nvPr>
+            <p:ph type="body" idx="1"/>
+          </p:nvPr>
+        </p:nvSpPr>
+        <p:spPr/>
+        <p:txBody>
+          <a:bodyPr/>
+          <a:lstStyle/>
+          <a:p>
+            <a:r>
+              <a:rPr lang="ko-KR" altLang="en-US" dirty="0"/>
+              <a:t>오늘날 많은 것들이 </a:t>
+            </a:r>
+            <a:r>
+              <a:rPr lang="ko-KR" altLang="en-US" dirty="0" err="1"/>
+              <a:t>연결되어있는</a:t>
+            </a:r>
+            <a:r>
+              <a:rPr lang="ko-KR" altLang="en-US" dirty="0"/>
+              <a:t> </a:t>
+            </a:r>
+            <a:r>
+              <a:rPr lang="en-US" altLang="ko-KR" dirty="0"/>
+              <a:t>connected world</a:t>
+            </a:r>
+            <a:r>
+              <a:rPr lang="ko-KR" altLang="en-US" dirty="0"/>
+              <a:t>에 </a:t>
+            </a:r>
+            <a:r>
+              <a:rPr lang="ko-KR" altLang="en-US" dirty="0" err="1"/>
+              <a:t>살구있음</a:t>
+            </a:r>
+            <a:endParaRPr lang="en-US" altLang="ko-KR" dirty="0"/>
+          </a:p>
+          <a:p>
+            <a:r>
+              <a:rPr lang="en-US" altLang="ko-KR" dirty="0"/>
+              <a:t>IoT</a:t>
+            </a:r>
+            <a:r>
+              <a:rPr lang="ko-KR" altLang="en-US" dirty="0"/>
+              <a:t>라고 </a:t>
+            </a:r>
+            <a:r>
+              <a:rPr lang="ko-KR" altLang="en-US" dirty="0" err="1"/>
+              <a:t>들어봄</a:t>
+            </a:r>
+            <a:r>
+              <a:rPr lang="en-US" altLang="ko-KR" dirty="0"/>
+              <a:t>? </a:t>
+            </a:r>
+            <a:r>
+              <a:rPr lang="ko-KR" altLang="en-US" dirty="0"/>
+              <a:t>간단하게 </a:t>
+            </a:r>
+            <a:r>
+              <a:rPr lang="en-US" altLang="ko-KR" dirty="0"/>
+              <a:t>IoT </a:t>
+            </a:r>
+            <a:r>
+              <a:rPr lang="ko-KR" altLang="en-US" dirty="0"/>
+              <a:t>설명 고고</a:t>
+            </a:r>
+            <a:endParaRPr lang="en-US" altLang="ko-KR" dirty="0"/>
+          </a:p>
+        </p:txBody>
+      </p:sp>
+      <p:sp>
+        <p:nvSpPr>
+          <p:cNvPr id="4" name="Slide Number Placeholder 3"/>
+          <p:cNvSpPr>
+            <a:spLocks noGrp="1"/>
+          </p:cNvSpPr>
+          <p:nvPr>
+            <p:ph type="sldNum" sz="quarter" idx="5"/>
+          </p:nvPr>
+        </p:nvSpPr>
+        <p:spPr/>
+        <p:txBody>
+          <a:bodyPr/>
+          <a:lstStyle/>
+          <a:p>
+            <a:fld id="{A248A177-227F-4E2F-A815-394152F0E3B8}" type="slidenum">
+              <a:rPr lang="ko-KR" altLang="en-US" smtClean="0"/>
+              <a:t>4</a:t>
+            </a:fld>
+            <a:endParaRPr lang="ko-KR" altLang="en-US"/>
+          </a:p>
+        </p:txBody>
+      </p:sp>
+    </p:spTree>
+    <p:extLst>
+      <p:ext uri="{BB962C8B-B14F-4D97-AF65-F5344CB8AC3E}">
+        <p14:creationId xmlns:p14="http://schemas.microsoft.com/office/powerpoint/2010/main" val="3891029012"/>
+      </p:ext>
+    </p:extLst>
+  </p:cSld>
+  <p:clrMapOvr>
+    <a:masterClrMapping/>
+  </p:clrMapOvr>
+</p:notes>
+</file>
+
+<file path=ppt/notesSlides/notesSlide5.xml><?xml version="1.0" encoding="utf-8"?>
+<p:notes xmlns:a="http://schemas.openxmlformats.org/drawingml/2006/main" xmlns:r="http://schemas.openxmlformats.org/officeDocument/2006/relationships" xmlns:p="http://schemas.openxmlformats.org/presentationml/2006/main">
+  <p:cSld>
+    <p:spTree>
+      <p:nvGrpSpPr>
+        <p:cNvPr id="1" name=""/>
+        <p:cNvGrpSpPr/>
+        <p:nvPr/>
+      </p:nvGrpSpPr>
+      <p:grpSpPr>
+        <a:xfrm>
+          <a:off x="0" y="0"/>
+          <a:ext cx="0" cy="0"/>
+          <a:chOff x="0" y="0"/>
+          <a:chExt cx="0" cy="0"/>
+        </a:xfrm>
+      </p:grpSpPr>
+      <p:sp>
+        <p:nvSpPr>
+          <p:cNvPr id="2" name="Slide Image Placeholder 1"/>
+          <p:cNvSpPr>
+            <a:spLocks noGrp="1" noRot="1" noChangeAspect="1"/>
+          </p:cNvSpPr>
+          <p:nvPr>
+            <p:ph type="sldImg"/>
+          </p:nvPr>
+        </p:nvSpPr>
+        <p:spPr/>
+      </p:sp>
+      <p:sp>
+        <p:nvSpPr>
+          <p:cNvPr id="3" name="Notes Placeholder 2"/>
+          <p:cNvSpPr>
+            <a:spLocks noGrp="1"/>
+          </p:cNvSpPr>
+          <p:nvPr>
+            <p:ph type="body" idx="1"/>
+          </p:nvPr>
+        </p:nvSpPr>
+        <p:spPr/>
+        <p:txBody>
+          <a:bodyPr/>
+          <a:lstStyle/>
+          <a:p>
+            <a:r>
+              <a:rPr lang="ko-KR" altLang="en-US" dirty="0"/>
+              <a:t>이번 </a:t>
+            </a:r>
+            <a:r>
+              <a:rPr lang="ko-KR" altLang="en-US" dirty="0" err="1"/>
+              <a:t>쉅에는</a:t>
+            </a:r>
+            <a:r>
+              <a:rPr lang="ko-KR" altLang="en-US" dirty="0"/>
+              <a:t> 인터넷과 네트워크에 대한 기초적인 이론적 배경을 알아보면서</a:t>
+            </a:r>
+            <a:r>
+              <a:rPr lang="en-US" altLang="ko-KR" dirty="0"/>
+              <a:t>,</a:t>
+            </a:r>
+          </a:p>
+          <a:p>
+            <a:r>
+              <a:rPr lang="ko-KR" altLang="en-US" dirty="0"/>
+              <a:t>우리가 어떻게 </a:t>
+            </a:r>
+            <a:r>
+              <a:rPr lang="ko-KR" altLang="en-US" dirty="0" err="1"/>
+              <a:t>연결되어있고</a:t>
+            </a:r>
+            <a:r>
+              <a:rPr lang="en-US" altLang="ko-KR" dirty="0"/>
+              <a:t>, </a:t>
+            </a:r>
+            <a:r>
+              <a:rPr lang="ko-KR" altLang="en-US" dirty="0"/>
+              <a:t>어떻게 상호작용하는지 </a:t>
+            </a:r>
+            <a:r>
+              <a:rPr lang="ko-KR" altLang="en-US" dirty="0" err="1"/>
+              <a:t>알아볼거임</a:t>
+            </a:r>
+            <a:endParaRPr lang="en-US" altLang="ko-KR" dirty="0"/>
+          </a:p>
+          <a:p>
+            <a:r>
+              <a:rPr lang="ko-KR" altLang="en-US" dirty="0"/>
+              <a:t>또 이를 바탕으로 우리만의 애플리케이션을 </a:t>
+            </a:r>
+            <a:r>
+              <a:rPr lang="ko-KR" altLang="en-US" dirty="0" err="1"/>
+              <a:t>랩세션에서</a:t>
+            </a:r>
+            <a:r>
+              <a:rPr lang="ko-KR" altLang="en-US" dirty="0"/>
+              <a:t> </a:t>
+            </a:r>
+            <a:r>
+              <a:rPr lang="ko-KR" altLang="en-US" dirty="0" err="1"/>
+              <a:t>만들거</a:t>
+            </a:r>
+            <a:endParaRPr lang="en-US" altLang="ko-KR" dirty="0"/>
+          </a:p>
+          <a:p>
+            <a:endParaRPr lang="ko-KR" altLang="en-US" dirty="0"/>
+          </a:p>
+        </p:txBody>
+      </p:sp>
+      <p:sp>
+        <p:nvSpPr>
+          <p:cNvPr id="4" name="Slide Number Placeholder 3"/>
+          <p:cNvSpPr>
+            <a:spLocks noGrp="1"/>
+          </p:cNvSpPr>
+          <p:nvPr>
+            <p:ph type="sldNum" sz="quarter" idx="5"/>
+          </p:nvPr>
+        </p:nvSpPr>
+        <p:spPr/>
+        <p:txBody>
+          <a:bodyPr/>
+          <a:lstStyle/>
+          <a:p>
+            <a:fld id="{A248A177-227F-4E2F-A815-394152F0E3B8}" type="slidenum">
+              <a:rPr lang="ko-KR" altLang="en-US" smtClean="0"/>
+              <a:t>5</a:t>
+            </a:fld>
+            <a:endParaRPr lang="ko-KR" altLang="en-US"/>
+          </a:p>
+        </p:txBody>
+      </p:sp>
+    </p:spTree>
+    <p:extLst>
+      <p:ext uri="{BB962C8B-B14F-4D97-AF65-F5344CB8AC3E}">
+        <p14:creationId xmlns:p14="http://schemas.microsoft.com/office/powerpoint/2010/main" val="3416464903"/>
+      </p:ext>
+    </p:extLst>
+  </p:cSld>
+  <p:clrMapOvr>
+    <a:masterClrMapping/>
+  </p:clrMapOvr>
+</p:notes>
+</file>
+
+<file path=ppt/notesSlides/notesSlide6.xml><?xml version="1.0" encoding="utf-8"?>
+<p:notes xmlns:a="http://schemas.openxmlformats.org/drawingml/2006/main" xmlns:r="http://schemas.openxmlformats.org/officeDocument/2006/relationships" xmlns:p="http://schemas.openxmlformats.org/presentationml/2006/main">
+  <p:cSld>
+    <p:spTree>
+      <p:nvGrpSpPr>
+        <p:cNvPr id="1" name=""/>
+        <p:cNvGrpSpPr/>
+        <p:nvPr/>
+      </p:nvGrpSpPr>
+      <p:grpSpPr>
+        <a:xfrm>
+          <a:off x="0" y="0"/>
+          <a:ext cx="0" cy="0"/>
+          <a:chOff x="0" y="0"/>
+          <a:chExt cx="0" cy="0"/>
+        </a:xfrm>
+      </p:grpSpPr>
+      <p:sp>
+        <p:nvSpPr>
+          <p:cNvPr id="2" name="Slide Image Placeholder 1"/>
+          <p:cNvSpPr>
+            <a:spLocks noGrp="1" noRot="1" noChangeAspect="1"/>
+          </p:cNvSpPr>
+          <p:nvPr>
+            <p:ph type="sldImg"/>
+          </p:nvPr>
+        </p:nvSpPr>
+        <p:spPr/>
+      </p:sp>
+      <p:sp>
+        <p:nvSpPr>
+          <p:cNvPr id="3" name="Notes Placeholder 2"/>
+          <p:cNvSpPr>
+            <a:spLocks noGrp="1"/>
+          </p:cNvSpPr>
+          <p:nvPr>
+            <p:ph type="body" idx="1"/>
+          </p:nvPr>
+        </p:nvSpPr>
+        <p:spPr/>
+        <p:txBody>
+          <a:bodyPr/>
+          <a:lstStyle/>
+          <a:p>
+            <a:r>
+              <a:rPr lang="ko-KR" altLang="en-US" dirty="0" err="1"/>
+              <a:t>가나랑</a:t>
+            </a:r>
+            <a:r>
+              <a:rPr lang="ko-KR" altLang="en-US" dirty="0"/>
+              <a:t> 한국 </a:t>
+            </a:r>
+            <a:r>
+              <a:rPr lang="ko-KR" altLang="en-US" dirty="0" err="1"/>
+              <a:t>개멀음ㄹㅇ로</a:t>
+            </a:r>
+            <a:endParaRPr lang="ko-KR" altLang="en-US" dirty="0"/>
+          </a:p>
+        </p:txBody>
+      </p:sp>
+      <p:sp>
+        <p:nvSpPr>
+          <p:cNvPr id="4" name="Slide Number Placeholder 3"/>
+          <p:cNvSpPr>
+            <a:spLocks noGrp="1"/>
+          </p:cNvSpPr>
+          <p:nvPr>
+            <p:ph type="sldNum" sz="quarter" idx="5"/>
+          </p:nvPr>
+        </p:nvSpPr>
+        <p:spPr/>
+        <p:txBody>
+          <a:bodyPr/>
+          <a:lstStyle/>
+          <a:p>
+            <a:fld id="{A248A177-227F-4E2F-A815-394152F0E3B8}" type="slidenum">
+              <a:rPr lang="ko-KR" altLang="en-US" smtClean="0"/>
+              <a:t>7</a:t>
+            </a:fld>
+            <a:endParaRPr lang="ko-KR" altLang="en-US"/>
+          </a:p>
+        </p:txBody>
+      </p:sp>
+    </p:spTree>
+    <p:extLst>
+      <p:ext uri="{BB962C8B-B14F-4D97-AF65-F5344CB8AC3E}">
+        <p14:creationId xmlns:p14="http://schemas.microsoft.com/office/powerpoint/2010/main" val="2377640182"/>
+      </p:ext>
+    </p:extLst>
+  </p:cSld>
+  <p:clrMapOvr>
+    <a:masterClrMapping/>
+  </p:clrMapOvr>
+</p:notes>
+</file>
+
+<file path=ppt/notesSlides/notesSlide7.xml><?xml version="1.0" encoding="utf-8"?>
+<p:notes xmlns:a="http://schemas.openxmlformats.org/drawingml/2006/main" xmlns:r="http://schemas.openxmlformats.org/officeDocument/2006/relationships" xmlns:p="http://schemas.openxmlformats.org/presentationml/2006/main">
+  <p:cSld>
+    <p:spTree>
+      <p:nvGrpSpPr>
+        <p:cNvPr id="1" name=""/>
+        <p:cNvGrpSpPr/>
+        <p:nvPr/>
+      </p:nvGrpSpPr>
+      <p:grpSpPr>
+        <a:xfrm>
+          <a:off x="0" y="0"/>
+          <a:ext cx="0" cy="0"/>
+          <a:chOff x="0" y="0"/>
+          <a:chExt cx="0" cy="0"/>
+        </a:xfrm>
+      </p:grpSpPr>
+      <p:sp>
+        <p:nvSpPr>
+          <p:cNvPr id="2" name="Slide Image Placeholder 1"/>
+          <p:cNvSpPr>
+            <a:spLocks noGrp="1" noRot="1" noChangeAspect="1"/>
+          </p:cNvSpPr>
+          <p:nvPr>
+            <p:ph type="sldImg"/>
+          </p:nvPr>
+        </p:nvSpPr>
+        <p:spPr/>
+      </p:sp>
+      <p:sp>
+        <p:nvSpPr>
+          <p:cNvPr id="3" name="Notes Placeholder 2"/>
+          <p:cNvSpPr>
+            <a:spLocks noGrp="1"/>
+          </p:cNvSpPr>
+          <p:nvPr>
+            <p:ph type="body" idx="1"/>
+          </p:nvPr>
+        </p:nvSpPr>
+        <p:spPr/>
+        <p:txBody>
+          <a:bodyPr/>
+          <a:lstStyle/>
+          <a:p>
+            <a:r>
+              <a:rPr lang="ko-KR" altLang="en-US" dirty="0"/>
+              <a:t>이 먼 거리를 넘어 통신하는게 신기하지 않음</a:t>
+            </a:r>
+            <a:r>
+              <a:rPr lang="en-US" altLang="ko-KR" dirty="0"/>
+              <a:t>?</a:t>
+            </a:r>
+          </a:p>
+          <a:p>
+            <a:r>
+              <a:rPr lang="ko-KR" altLang="en-US" dirty="0"/>
+              <a:t>대체 </a:t>
+            </a:r>
+            <a:r>
+              <a:rPr lang="ko-KR" altLang="en-US" dirty="0" err="1"/>
+              <a:t>어케하지</a:t>
+            </a:r>
+            <a:r>
+              <a:rPr lang="en-US" altLang="ko-KR" dirty="0"/>
+              <a:t>? </a:t>
+            </a:r>
+            <a:r>
+              <a:rPr lang="ko-KR" altLang="en-US" dirty="0"/>
+              <a:t>전파를 쏴도 땅으로 꺼지고 막 </a:t>
+            </a:r>
+            <a:r>
+              <a:rPr lang="ko-KR" altLang="en-US" dirty="0" err="1"/>
+              <a:t>난리일텐뎅</a:t>
+            </a:r>
+            <a:endParaRPr lang="en-US" altLang="ko-KR" dirty="0"/>
+          </a:p>
+          <a:p>
+            <a:endParaRPr lang="en-US" altLang="ko-KR" dirty="0"/>
+          </a:p>
+          <a:p>
+            <a:r>
+              <a:rPr lang="ko-KR" altLang="en-US" dirty="0"/>
+              <a:t>먼저 답을 알려주자면</a:t>
+            </a:r>
+            <a:r>
+              <a:rPr lang="en-US" altLang="ko-KR" dirty="0"/>
+              <a:t>, </a:t>
+            </a:r>
+            <a:r>
+              <a:rPr lang="ko-KR" altLang="en-US" dirty="0"/>
+              <a:t>우리는 데이터를 전달하고 전달해서 </a:t>
+            </a:r>
+            <a:r>
+              <a:rPr lang="ko-KR" altLang="en-US" dirty="0" err="1"/>
+              <a:t>보내는거임</a:t>
+            </a:r>
+            <a:endParaRPr lang="en-US" altLang="ko-KR" dirty="0"/>
+          </a:p>
+          <a:p>
+            <a:r>
+              <a:rPr lang="ko-KR" altLang="en-US" dirty="0"/>
+              <a:t>우리는 </a:t>
+            </a:r>
+            <a:r>
+              <a:rPr lang="en-US" altLang="ko-KR" dirty="0"/>
+              <a:t>connected </a:t>
+            </a:r>
+            <a:r>
+              <a:rPr lang="ko-KR" altLang="en-US" dirty="0"/>
+              <a:t>월드에 살고 있으니까 </a:t>
+            </a:r>
+            <a:r>
+              <a:rPr lang="ko-KR" altLang="en-US" dirty="0" err="1"/>
+              <a:t>그렇게하면</a:t>
+            </a:r>
+            <a:r>
+              <a:rPr lang="ko-KR" altLang="en-US" dirty="0"/>
+              <a:t> 가나까지도 </a:t>
+            </a:r>
+            <a:r>
+              <a:rPr lang="ko-KR" altLang="en-US" dirty="0" err="1"/>
+              <a:t>가능임ㅋㅋㅋ</a:t>
+            </a:r>
+            <a:endParaRPr lang="en-US" altLang="ko-KR" dirty="0"/>
+          </a:p>
+        </p:txBody>
+      </p:sp>
+      <p:sp>
+        <p:nvSpPr>
+          <p:cNvPr id="4" name="Slide Number Placeholder 3"/>
+          <p:cNvSpPr>
+            <a:spLocks noGrp="1"/>
+          </p:cNvSpPr>
+          <p:nvPr>
+            <p:ph type="sldNum" sz="quarter" idx="5"/>
+          </p:nvPr>
+        </p:nvSpPr>
+        <p:spPr/>
+        <p:txBody>
+          <a:bodyPr/>
+          <a:lstStyle/>
+          <a:p>
+            <a:fld id="{A248A177-227F-4E2F-A815-394152F0E3B8}" type="slidenum">
+              <a:rPr lang="ko-KR" altLang="en-US" smtClean="0"/>
+              <a:t>8</a:t>
+            </a:fld>
+            <a:endParaRPr lang="ko-KR" altLang="en-US"/>
+          </a:p>
+        </p:txBody>
+      </p:sp>
+    </p:spTree>
+    <p:extLst>
+      <p:ext uri="{BB962C8B-B14F-4D97-AF65-F5344CB8AC3E}">
+        <p14:creationId xmlns:p14="http://schemas.microsoft.com/office/powerpoint/2010/main" val="3997473687"/>
+      </p:ext>
+    </p:extLst>
+  </p:cSld>
+  <p:clrMapOvr>
+    <a:masterClrMapping/>
+  </p:clrMapOvr>
+</p:notes>
+</file>
+
+<file path=ppt/notesSlides/notesSlide8.xml><?xml version="1.0" encoding="utf-8"?>
+<p:notes xmlns:a="http://schemas.openxmlformats.org/drawingml/2006/main" xmlns:r="http://schemas.openxmlformats.org/officeDocument/2006/relationships" xmlns:p="http://schemas.openxmlformats.org/presentationml/2006/main">
+  <p:cSld>
+    <p:spTree>
+      <p:nvGrpSpPr>
+        <p:cNvPr id="1" name=""/>
+        <p:cNvGrpSpPr/>
+        <p:nvPr/>
+      </p:nvGrpSpPr>
+      <p:grpSpPr>
+        <a:xfrm>
+          <a:off x="0" y="0"/>
+          <a:ext cx="0" cy="0"/>
+          <a:chOff x="0" y="0"/>
+          <a:chExt cx="0" cy="0"/>
+        </a:xfrm>
+      </p:grpSpPr>
+      <p:sp>
+        <p:nvSpPr>
+          <p:cNvPr id="2" name="Slide Image Placeholder 1"/>
+          <p:cNvSpPr>
+            <a:spLocks noGrp="1" noRot="1" noChangeAspect="1"/>
+          </p:cNvSpPr>
+          <p:nvPr>
+            <p:ph type="sldImg"/>
+          </p:nvPr>
+        </p:nvSpPr>
+        <p:spPr/>
+      </p:sp>
+      <p:sp>
+        <p:nvSpPr>
+          <p:cNvPr id="3" name="Notes Placeholder 2"/>
+          <p:cNvSpPr>
+            <a:spLocks noGrp="1"/>
+          </p:cNvSpPr>
+          <p:nvPr>
+            <p:ph type="body" idx="1"/>
+          </p:nvPr>
+        </p:nvSpPr>
+        <p:spPr/>
+        <p:txBody>
+          <a:bodyPr/>
+          <a:lstStyle/>
+          <a:p>
+            <a:r>
+              <a:rPr lang="ko-KR" altLang="en-US" dirty="0"/>
+              <a:t>그래서</a:t>
+            </a:r>
+            <a:r>
+              <a:rPr lang="en-US" altLang="ko-KR" dirty="0"/>
+              <a:t>, </a:t>
+            </a:r>
+            <a:r>
+              <a:rPr lang="ko-KR" altLang="en-US" dirty="0"/>
+              <a:t>인터넷이 뭐냐 하면</a:t>
+            </a:r>
+            <a:endParaRPr lang="en-US" altLang="ko-KR" dirty="0"/>
+          </a:p>
+          <a:p>
+            <a:r>
+              <a:rPr lang="ko-KR" altLang="en-US" dirty="0"/>
+              <a:t>인터넷 프로토콜 스위트를 사용하는 글로벌 네트워크 시스템임</a:t>
+            </a:r>
+          </a:p>
+        </p:txBody>
+      </p:sp>
+      <p:sp>
+        <p:nvSpPr>
+          <p:cNvPr id="4" name="Slide Number Placeholder 3"/>
+          <p:cNvSpPr>
+            <a:spLocks noGrp="1"/>
+          </p:cNvSpPr>
+          <p:nvPr>
+            <p:ph type="sldNum" sz="quarter" idx="5"/>
+          </p:nvPr>
+        </p:nvSpPr>
+        <p:spPr/>
+        <p:txBody>
+          <a:bodyPr/>
+          <a:lstStyle/>
+          <a:p>
+            <a:fld id="{A248A177-227F-4E2F-A815-394152F0E3B8}" type="slidenum">
+              <a:rPr lang="ko-KR" altLang="en-US" smtClean="0"/>
+              <a:t>9</a:t>
+            </a:fld>
+            <a:endParaRPr lang="ko-KR" altLang="en-US"/>
+          </a:p>
+        </p:txBody>
+      </p:sp>
+    </p:spTree>
+    <p:extLst>
+      <p:ext uri="{BB962C8B-B14F-4D97-AF65-F5344CB8AC3E}">
+        <p14:creationId xmlns:p14="http://schemas.microsoft.com/office/powerpoint/2010/main" val="4245001408"/>
+      </p:ext>
+    </p:extLst>
+  </p:cSld>
+  <p:clrMapOvr>
+    <a:masterClrMapping/>
+  </p:clrMapOvr>
+</p:notes>
+</file>
+
+<file path=ppt/notesSlides/notesSlide9.xml><?xml version="1.0" encoding="utf-8"?>
+<p:notes xmlns:a="http://schemas.openxmlformats.org/drawingml/2006/main" xmlns:r="http://schemas.openxmlformats.org/officeDocument/2006/relationships" xmlns:p="http://schemas.openxmlformats.org/presentationml/2006/main">
+  <p:cSld>
+    <p:spTree>
+      <p:nvGrpSpPr>
+        <p:cNvPr id="1" name=""/>
+        <p:cNvGrpSpPr/>
+        <p:nvPr/>
+      </p:nvGrpSpPr>
+      <p:grpSpPr>
+        <a:xfrm>
+          <a:off x="0" y="0"/>
+          <a:ext cx="0" cy="0"/>
+          <a:chOff x="0" y="0"/>
+          <a:chExt cx="0" cy="0"/>
+        </a:xfrm>
+      </p:grpSpPr>
+      <p:sp>
+        <p:nvSpPr>
+          <p:cNvPr id="2" name="Slide Image Placeholder 1"/>
+          <p:cNvSpPr>
+            <a:spLocks noGrp="1" noRot="1" noChangeAspect="1"/>
+          </p:cNvSpPr>
+          <p:nvPr>
+            <p:ph type="sldImg"/>
+          </p:nvPr>
+        </p:nvSpPr>
+        <p:spPr/>
+      </p:sp>
+      <p:sp>
+        <p:nvSpPr>
+          <p:cNvPr id="3" name="Notes Placeholder 2"/>
+          <p:cNvSpPr>
+            <a:spLocks noGrp="1"/>
+          </p:cNvSpPr>
+          <p:nvPr>
+            <p:ph type="body" idx="1"/>
+          </p:nvPr>
+        </p:nvSpPr>
+        <p:spPr/>
+        <p:txBody>
+          <a:bodyPr/>
+          <a:lstStyle/>
+          <a:p>
+            <a:r>
+              <a:rPr lang="ko-KR" altLang="en-US" dirty="0"/>
+              <a:t>근데 프로토콜이 머냐</a:t>
+            </a:r>
+            <a:r>
+              <a:rPr lang="en-US" altLang="ko-KR" dirty="0"/>
+              <a:t>, </a:t>
+            </a:r>
+            <a:r>
+              <a:rPr lang="ko-KR" altLang="en-US" dirty="0"/>
+              <a:t>프로토콜은 결국 </a:t>
+            </a:r>
+            <a:r>
+              <a:rPr lang="en-US" altLang="ko-KR" dirty="0"/>
+              <a:t>“</a:t>
+            </a:r>
+            <a:r>
+              <a:rPr lang="ko-KR" altLang="en-US" dirty="0"/>
+              <a:t>룰</a:t>
+            </a:r>
+            <a:r>
+              <a:rPr lang="en-US" altLang="ko-KR" dirty="0"/>
+              <a:t>”</a:t>
+            </a:r>
+            <a:r>
+              <a:rPr lang="ko-KR" altLang="en-US" dirty="0"/>
+              <a:t>임</a:t>
+            </a:r>
+            <a:endParaRPr lang="en-US" altLang="ko-KR" dirty="0"/>
+          </a:p>
+          <a:p>
+            <a:r>
+              <a:rPr lang="ko-KR" altLang="en-US" dirty="0"/>
+              <a:t>이후 적당히 </a:t>
+            </a:r>
+            <a:r>
+              <a:rPr lang="en-US" altLang="ko-KR" dirty="0"/>
+              <a:t>ppt </a:t>
+            </a:r>
+            <a:r>
+              <a:rPr lang="ko-KR" altLang="en-US" dirty="0"/>
+              <a:t>따라 설명 </a:t>
+            </a:r>
+          </a:p>
+        </p:txBody>
+      </p:sp>
+      <p:sp>
+        <p:nvSpPr>
+          <p:cNvPr id="4" name="Slide Number Placeholder 3"/>
+          <p:cNvSpPr>
+            <a:spLocks noGrp="1"/>
+          </p:cNvSpPr>
+          <p:nvPr>
+            <p:ph type="sldNum" sz="quarter" idx="5"/>
+          </p:nvPr>
+        </p:nvSpPr>
+        <p:spPr/>
+        <p:txBody>
+          <a:bodyPr/>
+          <a:lstStyle/>
+          <a:p>
+            <a:fld id="{A248A177-227F-4E2F-A815-394152F0E3B8}" type="slidenum">
+              <a:rPr lang="ko-KR" altLang="en-US" smtClean="0"/>
+              <a:t>10</a:t>
+            </a:fld>
+            <a:endParaRPr lang="ko-KR" altLang="en-US"/>
+          </a:p>
+        </p:txBody>
+      </p:sp>
+    </p:spTree>
+    <p:extLst>
+      <p:ext uri="{BB962C8B-B14F-4D97-AF65-F5344CB8AC3E}">
+        <p14:creationId xmlns:p14="http://schemas.microsoft.com/office/powerpoint/2010/main" val="3926889750"/>
       </p:ext>
     </p:extLst>
   </p:cSld>
@@ -4480,7 +6960,7 @@
           <p:nvPr/>
         </p:nvPicPr>
         <p:blipFill>
-          <a:blip r:embed="rId2">
+          <a:blip r:embed="rId3">
             <a:extLst>
               <a:ext uri="{28A0092B-C50C-407E-A947-70E740481C1C}">
                 <a14:useLocalDpi xmlns:a14="http://schemas.microsoft.com/office/drawing/2010/main" val="0"/>
@@ -4516,7 +6996,7 @@
           <p:nvPr/>
         </p:nvPicPr>
         <p:blipFill>
-          <a:blip r:embed="rId2">
+          <a:blip r:embed="rId3">
             <a:extLst>
               <a:ext uri="{28A0092B-C50C-407E-A947-70E740481C1C}">
                 <a14:useLocalDpi xmlns:a14="http://schemas.microsoft.com/office/drawing/2010/main" val="0"/>
@@ -5263,7 +7743,7 @@
           <p:nvPr/>
         </p:nvPicPr>
         <p:blipFill>
-          <a:blip r:embed="rId2">
+          <a:blip r:embed="rId3">
             <a:extLst>
               <a:ext uri="{28A0092B-C50C-407E-A947-70E740481C1C}">
                 <a14:useLocalDpi xmlns:a14="http://schemas.microsoft.com/office/drawing/2010/main" val="0"/>
@@ -5299,7 +7779,7 @@
           <p:nvPr/>
         </p:nvPicPr>
         <p:blipFill>
-          <a:blip r:embed="rId2">
+          <a:blip r:embed="rId3">
             <a:extLst>
               <a:ext uri="{28A0092B-C50C-407E-A947-70E740481C1C}">
                 <a14:useLocalDpi xmlns:a14="http://schemas.microsoft.com/office/drawing/2010/main" val="0"/>
@@ -5463,7 +7943,7 @@
           <p:nvPr/>
         </p:nvPicPr>
         <p:blipFill>
-          <a:blip r:embed="rId3">
+          <a:blip r:embed="rId4">
             <a:extLst>
               <a:ext uri="{28A0092B-C50C-407E-A947-70E740481C1C}">
                 <a14:useLocalDpi xmlns:a14="http://schemas.microsoft.com/office/drawing/2010/main" val="0"/>
@@ -6079,7 +8559,7 @@
           <p:nvPr/>
         </p:nvPicPr>
         <p:blipFill>
-          <a:blip r:embed="rId2"/>
+          <a:blip r:embed="rId3"/>
           <a:stretch>
             <a:fillRect/>
           </a:stretch>
@@ -10202,7 +12682,7 @@
           <p:nvPr/>
         </p:nvPicPr>
         <p:blipFill>
-          <a:blip r:embed="rId2">
+          <a:blip r:embed="rId3">
             <a:extLst>
               <a:ext uri="{28A0092B-C50C-407E-A947-70E740481C1C}">
                 <a14:useLocalDpi xmlns:a14="http://schemas.microsoft.com/office/drawing/2010/main" val="0"/>
@@ -10301,7 +12781,7 @@
           <p:nvPr/>
         </p:nvPicPr>
         <p:blipFill>
-          <a:blip r:embed="rId3">
+          <a:blip r:embed="rId4">
             <a:extLst>
               <a:ext uri="{28A0092B-C50C-407E-A947-70E740481C1C}">
                 <a14:useLocalDpi xmlns:a14="http://schemas.microsoft.com/office/drawing/2010/main" val="0"/>
@@ -10380,7 +12860,7 @@
           <p:nvPr/>
         </p:nvPicPr>
         <p:blipFill>
-          <a:blip r:embed="rId4">
+          <a:blip r:embed="rId5">
             <a:extLst>
               <a:ext uri="{28A0092B-C50C-407E-A947-70E740481C1C}">
                 <a14:useLocalDpi xmlns:a14="http://schemas.microsoft.com/office/drawing/2010/main" val="0"/>
@@ -14476,7 +16956,7 @@
           <p:nvPr/>
         </p:nvPicPr>
         <p:blipFill>
-          <a:blip r:embed="rId2">
+          <a:blip r:embed="rId3">
             <a:extLst>
               <a:ext uri="{28A0092B-C50C-407E-A947-70E740481C1C}">
                 <a14:useLocalDpi xmlns:a14="http://schemas.microsoft.com/office/drawing/2010/main" val="0"/>
@@ -14658,7 +17138,7 @@
           <p:nvPr/>
         </p:nvPicPr>
         <p:blipFill>
-          <a:blip r:embed="rId2">
+          <a:blip r:embed="rId3">
             <a:extLst>
               <a:ext uri="{28A0092B-C50C-407E-A947-70E740481C1C}">
                 <a14:useLocalDpi xmlns:a14="http://schemas.microsoft.com/office/drawing/2010/main" val="0"/>
@@ -14925,7 +17405,7 @@
           <p:nvPr/>
         </p:nvPicPr>
         <p:blipFill>
-          <a:blip r:embed="rId2">
+          <a:blip r:embed="rId3">
             <a:extLst>
               <a:ext uri="{28A0092B-C50C-407E-A947-70E740481C1C}">
                 <a14:useLocalDpi xmlns:a14="http://schemas.microsoft.com/office/drawing/2010/main" val="0"/>
@@ -23684,7 +26164,7 @@
           <a:p>
             <a:r>
               <a:rPr lang="en-US" altLang="ko-KR" b="1" dirty="0"/>
-              <a:t>As we can see, the task are different</a:t>
+              <a:t>As we can see, the task are different between client and server</a:t>
             </a:r>
           </a:p>
           <a:p>
@@ -24417,7 +26897,7 @@
           <p:nvPr/>
         </p:nvPicPr>
         <p:blipFill>
-          <a:blip r:embed="rId2"/>
+          <a:blip r:embed="rId3"/>
           <a:stretch>
             <a:fillRect/>
           </a:stretch>
@@ -24477,7 +26957,7 @@
           <p:nvPr/>
         </p:nvPicPr>
         <p:blipFill>
-          <a:blip r:embed="rId2"/>
+          <a:blip r:embed="rId3"/>
           <a:stretch>
             <a:fillRect/>
           </a:stretch>
